--- a/PPT/0 - Intro.pptx
+++ b/PPT/0 - Intro.pptx
@@ -5,7 +5,7 @@
     <p:sldMasterId id="2147483648" r:id="rId1"/>
   </p:sldMasterIdLst>
   <p:notesMasterIdLst>
-    <p:notesMasterId r:id="rId16"/>
+    <p:notesMasterId r:id="rId17"/>
   </p:notesMasterIdLst>
   <p:sldIdLst>
     <p:sldId id="256" r:id="rId2"/>
@@ -13,15 +13,16 @@
     <p:sldId id="258" r:id="rId4"/>
     <p:sldId id="259" r:id="rId5"/>
     <p:sldId id="260" r:id="rId6"/>
-    <p:sldId id="261" r:id="rId7"/>
-    <p:sldId id="269" r:id="rId8"/>
-    <p:sldId id="263" r:id="rId9"/>
-    <p:sldId id="268" r:id="rId10"/>
-    <p:sldId id="265" r:id="rId11"/>
-    <p:sldId id="266" r:id="rId12"/>
-    <p:sldId id="267" r:id="rId13"/>
-    <p:sldId id="264" r:id="rId14"/>
-    <p:sldId id="262" r:id="rId15"/>
+    <p:sldId id="270" r:id="rId7"/>
+    <p:sldId id="261" r:id="rId8"/>
+    <p:sldId id="269" r:id="rId9"/>
+    <p:sldId id="263" r:id="rId10"/>
+    <p:sldId id="268" r:id="rId11"/>
+    <p:sldId id="265" r:id="rId12"/>
+    <p:sldId id="266" r:id="rId13"/>
+    <p:sldId id="267" r:id="rId14"/>
+    <p:sldId id="264" r:id="rId15"/>
+    <p:sldId id="262" r:id="rId16"/>
   </p:sldIdLst>
   <p:sldSz cx="12192000" cy="6858000"/>
   <p:notesSz cx="6858000" cy="9144000"/>
@@ -140,8 +141,8 @@
 <pc:chgInfo xmlns:a="http://schemas.openxmlformats.org/drawingml/2006/main" xmlns:r="http://schemas.openxmlformats.org/officeDocument/2006/relationships" xmlns:ac="http://schemas.microsoft.com/office/drawing/2013/main/command" xmlns:pc="http://schemas.microsoft.com/office/powerpoint/2013/main/command">
   <pc:docChgLst>
     <pc:chgData name="Jochen Mariën" userId="a4f8d9ed-3895-4365-b2d5-9432cb8a20d4" providerId="ADAL" clId="{F8B58BD1-8A92-4B5C-93A7-BA3B925EE1A2}"/>
-    <pc:docChg chg="custSel addSld modSld">
-      <pc:chgData name="Jochen Mariën" userId="a4f8d9ed-3895-4365-b2d5-9432cb8a20d4" providerId="ADAL" clId="{F8B58BD1-8A92-4B5C-93A7-BA3B925EE1A2}" dt="2023-06-12T10:12:52.776" v="1395" actId="20577"/>
+    <pc:docChg chg="undo custSel addSld modSld">
+      <pc:chgData name="Jochen Mariën" userId="a4f8d9ed-3895-4365-b2d5-9432cb8a20d4" providerId="ADAL" clId="{F8B58BD1-8A92-4B5C-93A7-BA3B925EE1A2}" dt="2023-06-13T07:33:25.115" v="1866" actId="20577"/>
       <pc:docMkLst>
         <pc:docMk/>
       </pc:docMkLst>
@@ -250,6 +251,29 @@
             <pc:docMk/>
             <pc:sldMk cId="332508798" sldId="269"/>
             <ac:spMk id="3" creationId="{1FA026EB-F47D-F29C-37A2-487A7886AB3D}"/>
+          </ac:spMkLst>
+        </pc:spChg>
+      </pc:sldChg>
+      <pc:sldChg chg="modSp new mod">
+        <pc:chgData name="Jochen Mariën" userId="a4f8d9ed-3895-4365-b2d5-9432cb8a20d4" providerId="ADAL" clId="{F8B58BD1-8A92-4B5C-93A7-BA3B925EE1A2}" dt="2023-06-13T07:33:25.115" v="1866" actId="20577"/>
+        <pc:sldMkLst>
+          <pc:docMk/>
+          <pc:sldMk cId="2763235997" sldId="270"/>
+        </pc:sldMkLst>
+        <pc:spChg chg="mod">
+          <ac:chgData name="Jochen Mariën" userId="a4f8d9ed-3895-4365-b2d5-9432cb8a20d4" providerId="ADAL" clId="{F8B58BD1-8A92-4B5C-93A7-BA3B925EE1A2}" dt="2023-06-13T07:27:47.650" v="1404" actId="20577"/>
+          <ac:spMkLst>
+            <pc:docMk/>
+            <pc:sldMk cId="2763235997" sldId="270"/>
+            <ac:spMk id="2" creationId="{23064B57-32D5-CD03-5B22-1252C321C123}"/>
+          </ac:spMkLst>
+        </pc:spChg>
+        <pc:spChg chg="mod">
+          <ac:chgData name="Jochen Mariën" userId="a4f8d9ed-3895-4365-b2d5-9432cb8a20d4" providerId="ADAL" clId="{F8B58BD1-8A92-4B5C-93A7-BA3B925EE1A2}" dt="2023-06-13T07:33:25.115" v="1866" actId="20577"/>
+          <ac:spMkLst>
+            <pc:docMk/>
+            <pc:sldMk cId="2763235997" sldId="270"/>
+            <ac:spMk id="3" creationId="{F0767FAB-59D4-FFC6-614F-02507EFD7998}"/>
           </ac:spMkLst>
         </pc:spChg>
       </pc:sldChg>
@@ -518,7 +542,7 @@
           <a:p>
             <a:fld id="{8F880CE3-57C3-4E29-A2D5-BE0FDC8C5C38}" type="datetimeFigureOut">
               <a:rPr lang="en-BE" smtClean="0"/>
-              <a:t>12/06/2023</a:t>
+              <a:t>13/06/2023</a:t>
             </a:fld>
             <a:endParaRPr lang="en-BE"/>
           </a:p>
@@ -957,7 +981,7 @@
           <a:p>
             <a:fld id="{9F487898-0C4F-431B-9DF3-B96052A5BB4A}" type="slidenum">
               <a:rPr lang="en-BE" smtClean="0"/>
-              <a:t>9</a:t>
+              <a:t>10</a:t>
             </a:fld>
             <a:endParaRPr lang="en-BE"/>
           </a:p>
@@ -1061,7 +1085,7 @@
           <a:p>
             <a:fld id="{9F487898-0C4F-431B-9DF3-B96052A5BB4A}" type="slidenum">
               <a:rPr lang="en-BE" smtClean="0"/>
-              <a:t>10</a:t>
+              <a:t>11</a:t>
             </a:fld>
             <a:endParaRPr lang="en-BE"/>
           </a:p>
@@ -1149,7 +1173,7 @@
           <a:p>
             <a:fld id="{9F487898-0C4F-431B-9DF3-B96052A5BB4A}" type="slidenum">
               <a:rPr lang="en-BE" smtClean="0"/>
-              <a:t>14</a:t>
+              <a:t>15</a:t>
             </a:fld>
             <a:endParaRPr lang="en-BE"/>
           </a:p>
@@ -1317,7 +1341,7 @@
           <a:p>
             <a:fld id="{DCCC402D-880E-47E2-A255-30C14FE14143}" type="datetimeFigureOut">
               <a:rPr lang="en-BE" smtClean="0"/>
-              <a:t>12/06/2023</a:t>
+              <a:t>13/06/2023</a:t>
             </a:fld>
             <a:endParaRPr lang="en-BE"/>
           </a:p>
@@ -1517,7 +1541,7 @@
           <a:p>
             <a:fld id="{DCCC402D-880E-47E2-A255-30C14FE14143}" type="datetimeFigureOut">
               <a:rPr lang="en-BE" smtClean="0"/>
-              <a:t>12/06/2023</a:t>
+              <a:t>13/06/2023</a:t>
             </a:fld>
             <a:endParaRPr lang="en-BE"/>
           </a:p>
@@ -1727,7 +1751,7 @@
           <a:p>
             <a:fld id="{DCCC402D-880E-47E2-A255-30C14FE14143}" type="datetimeFigureOut">
               <a:rPr lang="en-BE" smtClean="0"/>
-              <a:t>12/06/2023</a:t>
+              <a:t>13/06/2023</a:t>
             </a:fld>
             <a:endParaRPr lang="en-BE"/>
           </a:p>
@@ -1927,7 +1951,7 @@
           <a:p>
             <a:fld id="{DCCC402D-880E-47E2-A255-30C14FE14143}" type="datetimeFigureOut">
               <a:rPr lang="en-BE" smtClean="0"/>
-              <a:t>12/06/2023</a:t>
+              <a:t>13/06/2023</a:t>
             </a:fld>
             <a:endParaRPr lang="en-BE"/>
           </a:p>
@@ -2203,7 +2227,7 @@
           <a:p>
             <a:fld id="{DCCC402D-880E-47E2-A255-30C14FE14143}" type="datetimeFigureOut">
               <a:rPr lang="en-BE" smtClean="0"/>
-              <a:t>12/06/2023</a:t>
+              <a:t>13/06/2023</a:t>
             </a:fld>
             <a:endParaRPr lang="en-BE"/>
           </a:p>
@@ -2471,7 +2495,7 @@
           <a:p>
             <a:fld id="{DCCC402D-880E-47E2-A255-30C14FE14143}" type="datetimeFigureOut">
               <a:rPr lang="en-BE" smtClean="0"/>
-              <a:t>12/06/2023</a:t>
+              <a:t>13/06/2023</a:t>
             </a:fld>
             <a:endParaRPr lang="en-BE"/>
           </a:p>
@@ -2886,7 +2910,7 @@
           <a:p>
             <a:fld id="{DCCC402D-880E-47E2-A255-30C14FE14143}" type="datetimeFigureOut">
               <a:rPr lang="en-BE" smtClean="0"/>
-              <a:t>12/06/2023</a:t>
+              <a:t>13/06/2023</a:t>
             </a:fld>
             <a:endParaRPr lang="en-BE"/>
           </a:p>
@@ -3028,7 +3052,7 @@
           <a:p>
             <a:fld id="{DCCC402D-880E-47E2-A255-30C14FE14143}" type="datetimeFigureOut">
               <a:rPr lang="en-BE" smtClean="0"/>
-              <a:t>12/06/2023</a:t>
+              <a:t>13/06/2023</a:t>
             </a:fld>
             <a:endParaRPr lang="en-BE"/>
           </a:p>
@@ -3141,7 +3165,7 @@
           <a:p>
             <a:fld id="{DCCC402D-880E-47E2-A255-30C14FE14143}" type="datetimeFigureOut">
               <a:rPr lang="en-BE" smtClean="0"/>
-              <a:t>12/06/2023</a:t>
+              <a:t>13/06/2023</a:t>
             </a:fld>
             <a:endParaRPr lang="en-BE"/>
           </a:p>
@@ -3454,7 +3478,7 @@
           <a:p>
             <a:fld id="{DCCC402D-880E-47E2-A255-30C14FE14143}" type="datetimeFigureOut">
               <a:rPr lang="en-BE" smtClean="0"/>
-              <a:t>12/06/2023</a:t>
+              <a:t>13/06/2023</a:t>
             </a:fld>
             <a:endParaRPr lang="en-BE"/>
           </a:p>
@@ -3743,7 +3767,7 @@
           <a:p>
             <a:fld id="{DCCC402D-880E-47E2-A255-30C14FE14143}" type="datetimeFigureOut">
               <a:rPr lang="en-BE" smtClean="0"/>
-              <a:t>12/06/2023</a:t>
+              <a:t>13/06/2023</a:t>
             </a:fld>
             <a:endParaRPr lang="en-BE"/>
           </a:p>
@@ -3986,7 +4010,7 @@
           <a:p>
             <a:fld id="{DCCC402D-880E-47E2-A255-30C14FE14143}" type="datetimeFigureOut">
               <a:rPr lang="en-BE" smtClean="0"/>
-              <a:t>12/06/2023</a:t>
+              <a:t>13/06/2023</a:t>
             </a:fld>
             <a:endParaRPr lang="en-BE"/>
           </a:p>
@@ -4561,6 +4585,137 @@
           <a:chExt cx="0" cy="0"/>
         </a:xfrm>
       </p:grpSpPr>
+      <p:pic>
+        <p:nvPicPr>
+          <p:cNvPr id="5" name="Content Placeholder 4" descr="A book cover with a yellow background&#10;&#10;Description automatically generated with low confidence">
+            <a:extLst>
+              <a:ext uri="{FF2B5EF4-FFF2-40B4-BE49-F238E27FC236}">
+                <a16:creationId xmlns:a16="http://schemas.microsoft.com/office/drawing/2014/main" id="{B170B5E1-99DB-5E35-B0F9-3AABE610B9EB}"/>
+              </a:ext>
+            </a:extLst>
+          </p:cNvPr>
+          <p:cNvPicPr>
+            <a:picLocks noGrp="1" noChangeAspect="1"/>
+          </p:cNvPicPr>
+          <p:nvPr>
+            <p:ph idx="1"/>
+          </p:nvPr>
+        </p:nvPicPr>
+        <p:blipFill>
+          <a:blip r:embed="rId3">
+            <a:extLst>
+              <a:ext uri="{28A0092B-C50C-407E-A947-70E740481C1C}">
+                <a14:useLocalDpi xmlns:a14="http://schemas.microsoft.com/office/drawing/2010/main" val="0"/>
+              </a:ext>
+            </a:extLst>
+          </a:blip>
+          <a:stretch>
+            <a:fillRect/>
+          </a:stretch>
+        </p:blipFill>
+        <p:spPr>
+          <a:xfrm>
+            <a:off x="653780" y="816177"/>
+            <a:ext cx="3409816" cy="5225646"/>
+          </a:xfrm>
+        </p:spPr>
+      </p:pic>
+      <p:pic>
+        <p:nvPicPr>
+          <p:cNvPr id="7" name="Picture 6">
+            <a:extLst>
+              <a:ext uri="{FF2B5EF4-FFF2-40B4-BE49-F238E27FC236}">
+                <a16:creationId xmlns:a16="http://schemas.microsoft.com/office/drawing/2014/main" id="{64B8CF50-722C-7EDF-DC19-BE7C8E2FD96D}"/>
+              </a:ext>
+            </a:extLst>
+          </p:cNvPr>
+          <p:cNvPicPr>
+            <a:picLocks noChangeAspect="1"/>
+          </p:cNvPicPr>
+          <p:nvPr/>
+        </p:nvPicPr>
+        <p:blipFill>
+          <a:blip r:embed="rId4"/>
+          <a:stretch>
+            <a:fillRect/>
+          </a:stretch>
+        </p:blipFill>
+        <p:spPr>
+          <a:xfrm>
+            <a:off x="7399952" y="1355632"/>
+            <a:ext cx="4614652" cy="4146733"/>
+          </a:xfrm>
+          <a:prstGeom prst="rect">
+            <a:avLst/>
+          </a:prstGeom>
+        </p:spPr>
+      </p:pic>
+      <p:pic>
+        <p:nvPicPr>
+          <p:cNvPr id="9" name="Picture 8" descr="A picture containing graphics, graphic design, colorfulness, art&#10;&#10;Description automatically generated">
+            <a:extLst>
+              <a:ext uri="{FF2B5EF4-FFF2-40B4-BE49-F238E27FC236}">
+                <a16:creationId xmlns:a16="http://schemas.microsoft.com/office/drawing/2014/main" id="{E07D6487-2D63-470A-2B82-7907A4F91C90}"/>
+              </a:ext>
+            </a:extLst>
+          </p:cNvPr>
+          <p:cNvPicPr>
+            <a:picLocks noChangeAspect="1"/>
+          </p:cNvPicPr>
+          <p:nvPr/>
+        </p:nvPicPr>
+        <p:blipFill>
+          <a:blip r:embed="rId5">
+            <a:extLst>
+              <a:ext uri="{28A0092B-C50C-407E-A947-70E740481C1C}">
+                <a14:useLocalDpi xmlns:a14="http://schemas.microsoft.com/office/drawing/2010/main" val="0"/>
+              </a:ext>
+            </a:extLst>
+          </a:blip>
+          <a:stretch>
+            <a:fillRect/>
+          </a:stretch>
+        </p:blipFill>
+        <p:spPr>
+          <a:xfrm>
+            <a:off x="5089314" y="1347542"/>
+            <a:ext cx="1728891" cy="4162915"/>
+          </a:xfrm>
+          <a:prstGeom prst="rect">
+            <a:avLst/>
+          </a:prstGeom>
+        </p:spPr>
+      </p:pic>
+    </p:spTree>
+    <p:extLst>
+      <p:ext uri="{BB962C8B-B14F-4D97-AF65-F5344CB8AC3E}">
+        <p14:creationId xmlns:p14="http://schemas.microsoft.com/office/powerpoint/2010/main" val="1544678492"/>
+      </p:ext>
+    </p:extLst>
+  </p:cSld>
+  <p:clrMapOvr>
+    <a:masterClrMapping/>
+  </p:clrMapOvr>
+</p:sld>
+</file>
+
+<file path=ppt/slides/slide11.xml><?xml version="1.0" encoding="utf-8"?>
+<p:sld xmlns:a="http://schemas.openxmlformats.org/drawingml/2006/main" xmlns:r="http://schemas.openxmlformats.org/officeDocument/2006/relationships" xmlns:p="http://schemas.openxmlformats.org/presentationml/2006/main">
+  <p:cSld>
+    <p:spTree>
+      <p:nvGrpSpPr>
+        <p:cNvPr id="1" name=""/>
+        <p:cNvGrpSpPr/>
+        <p:nvPr/>
+      </p:nvGrpSpPr>
+      <p:grpSpPr>
+        <a:xfrm>
+          <a:off x="0" y="0"/>
+          <a:ext cx="0" cy="0"/>
+          <a:chOff x="0" y="0"/>
+          <a:chExt cx="0" cy="0"/>
+        </a:xfrm>
+      </p:grpSpPr>
       <p:sp>
         <p:nvSpPr>
           <p:cNvPr id="2" name="Title 1">
@@ -4696,7 +4851,7 @@
 </p:sld>
 </file>
 
-<file path=ppt/slides/slide11.xml><?xml version="1.0" encoding="utf-8"?>
+<file path=ppt/slides/slide12.xml><?xml version="1.0" encoding="utf-8"?>
 <p:sld xmlns:a="http://schemas.openxmlformats.org/drawingml/2006/main" xmlns:r="http://schemas.openxmlformats.org/officeDocument/2006/relationships" xmlns:p="http://schemas.openxmlformats.org/presentationml/2006/main">
   <p:cSld>
     <p:spTree>
@@ -4915,165 +5070,6 @@
 </p:sld>
 </file>
 
-<file path=ppt/slides/slide12.xml><?xml version="1.0" encoding="utf-8"?>
-<p:sld xmlns:a="http://schemas.openxmlformats.org/drawingml/2006/main" xmlns:r="http://schemas.openxmlformats.org/officeDocument/2006/relationships" xmlns:p="http://schemas.openxmlformats.org/presentationml/2006/main">
-  <p:cSld>
-    <p:spTree>
-      <p:nvGrpSpPr>
-        <p:cNvPr id="1" name=""/>
-        <p:cNvGrpSpPr/>
-        <p:nvPr/>
-      </p:nvGrpSpPr>
-      <p:grpSpPr>
-        <a:xfrm>
-          <a:off x="0" y="0"/>
-          <a:ext cx="0" cy="0"/>
-          <a:chOff x="0" y="0"/>
-          <a:chExt cx="0" cy="0"/>
-        </a:xfrm>
-      </p:grpSpPr>
-      <p:sp>
-        <p:nvSpPr>
-          <p:cNvPr id="2" name="Title 1">
-            <a:extLst>
-              <a:ext uri="{FF2B5EF4-FFF2-40B4-BE49-F238E27FC236}">
-                <a16:creationId xmlns:a16="http://schemas.microsoft.com/office/drawing/2014/main" id="{85802736-0D84-5542-1CAB-89C8655A401D}"/>
-              </a:ext>
-            </a:extLst>
-          </p:cNvPr>
-          <p:cNvSpPr>
-            <a:spLocks noGrp="1"/>
-          </p:cNvSpPr>
-          <p:nvPr>
-            <p:ph type="title"/>
-          </p:nvPr>
-        </p:nvSpPr>
-        <p:spPr/>
-        <p:txBody>
-          <a:bodyPr/>
-          <a:lstStyle/>
-          <a:p>
-            <a:r>
-              <a:rPr lang="en-US" dirty="0"/>
-              <a:t>Using AI</a:t>
-            </a:r>
-            <a:endParaRPr lang="en-BE" dirty="0"/>
-          </a:p>
-        </p:txBody>
-      </p:sp>
-      <p:sp>
-        <p:nvSpPr>
-          <p:cNvPr id="3" name="Content Placeholder 2">
-            <a:extLst>
-              <a:ext uri="{FF2B5EF4-FFF2-40B4-BE49-F238E27FC236}">
-                <a16:creationId xmlns:a16="http://schemas.microsoft.com/office/drawing/2014/main" id="{AE56134A-61BF-91D7-F893-E3619B6CB952}"/>
-              </a:ext>
-            </a:extLst>
-          </p:cNvPr>
-          <p:cNvSpPr>
-            <a:spLocks noGrp="1"/>
-          </p:cNvSpPr>
-          <p:nvPr>
-            <p:ph idx="1"/>
-          </p:nvPr>
-        </p:nvSpPr>
-        <p:spPr/>
-        <p:txBody>
-          <a:bodyPr>
-            <a:normAutofit lnSpcReduction="10000"/>
-          </a:bodyPr>
-          <a:lstStyle/>
-          <a:p>
-            <a:r>
-              <a:rPr lang="en-US" dirty="0"/>
-              <a:t>You can use all the copilot and </a:t>
-            </a:r>
-            <a:r>
-              <a:rPr lang="en-US" dirty="0" err="1"/>
-              <a:t>Stackoverflow</a:t>
-            </a:r>
-            <a:r>
-              <a:rPr lang="en-US" dirty="0"/>
-              <a:t> and </a:t>
-            </a:r>
-            <a:r>
-              <a:rPr lang="en-US" dirty="0" err="1"/>
-              <a:t>ChatGPT</a:t>
-            </a:r>
-            <a:r>
-              <a:rPr lang="en-US" dirty="0"/>
-              <a:t> you like</a:t>
-            </a:r>
-          </a:p>
-          <a:p>
-            <a:pPr lvl="1"/>
-            <a:r>
-              <a:rPr lang="en-US" dirty="0"/>
-              <a:t>Also to generate text in your report, but remember you are not graded by number of words</a:t>
-            </a:r>
-          </a:p>
-          <a:p>
-            <a:pPr lvl="1"/>
-            <a:r>
-              <a:rPr lang="en-US" dirty="0"/>
-              <a:t>A good 10-page report will always be better than a 50-page report with a lot of nonsense in it</a:t>
-            </a:r>
-          </a:p>
-          <a:p>
-            <a:pPr lvl="1"/>
-            <a:r>
-              <a:rPr lang="en-US" dirty="0"/>
-              <a:t>Do remember to list the AI’s you used as sources when submitting</a:t>
-            </a:r>
-          </a:p>
-          <a:p>
-            <a:r>
-              <a:rPr lang="en-US" dirty="0"/>
-              <a:t>These PowerPoints will never focus on “how to program this,” as we assume you can figure that one out yourself</a:t>
-            </a:r>
-          </a:p>
-          <a:p>
-            <a:pPr lvl="1"/>
-            <a:r>
-              <a:rPr lang="en-US" dirty="0"/>
-              <a:t>Unlike Python in 1 ITF</a:t>
-            </a:r>
-          </a:p>
-          <a:p>
-            <a:r>
-              <a:rPr lang="en-US" b="1" i="1" dirty="0"/>
-              <a:t>But make sure you understand all the code you submit</a:t>
-            </a:r>
-          </a:p>
-          <a:p>
-            <a:pPr lvl="1"/>
-            <a:r>
-              <a:rPr lang="en-US"/>
-              <a:t>You must </a:t>
-            </a:r>
-            <a:r>
-              <a:rPr lang="en-US" dirty="0"/>
-              <a:t>be able to explain any of the code you used</a:t>
-            </a:r>
-          </a:p>
-          <a:p>
-            <a:endParaRPr lang="en-US" dirty="0"/>
-          </a:p>
-        </p:txBody>
-      </p:sp>
-    </p:spTree>
-    <p:extLst>
-      <p:ext uri="{BB962C8B-B14F-4D97-AF65-F5344CB8AC3E}">
-        <p14:creationId xmlns:p14="http://schemas.microsoft.com/office/powerpoint/2010/main" val="1995461371"/>
-      </p:ext>
-    </p:extLst>
-  </p:cSld>
-  <p:clrMapOvr>
-    <a:masterClrMapping/>
-  </p:clrMapOvr>
-</p:sld>
-</file>
-
 <file path=ppt/slides/slide13.xml><?xml version="1.0" encoding="utf-8"?>
 <p:sld xmlns:a="http://schemas.openxmlformats.org/drawingml/2006/main" xmlns:r="http://schemas.openxmlformats.org/officeDocument/2006/relationships" xmlns:p="http://schemas.openxmlformats.org/presentationml/2006/main">
   <p:cSld>
@@ -5096,6 +5092,165 @@
           <p:cNvPr id="2" name="Title 1">
             <a:extLst>
               <a:ext uri="{FF2B5EF4-FFF2-40B4-BE49-F238E27FC236}">
+                <a16:creationId xmlns:a16="http://schemas.microsoft.com/office/drawing/2014/main" id="{85802736-0D84-5542-1CAB-89C8655A401D}"/>
+              </a:ext>
+            </a:extLst>
+          </p:cNvPr>
+          <p:cNvSpPr>
+            <a:spLocks noGrp="1"/>
+          </p:cNvSpPr>
+          <p:nvPr>
+            <p:ph type="title"/>
+          </p:nvPr>
+        </p:nvSpPr>
+        <p:spPr/>
+        <p:txBody>
+          <a:bodyPr/>
+          <a:lstStyle/>
+          <a:p>
+            <a:r>
+              <a:rPr lang="en-US" dirty="0"/>
+              <a:t>Using AI</a:t>
+            </a:r>
+            <a:endParaRPr lang="en-BE" dirty="0"/>
+          </a:p>
+        </p:txBody>
+      </p:sp>
+      <p:sp>
+        <p:nvSpPr>
+          <p:cNvPr id="3" name="Content Placeholder 2">
+            <a:extLst>
+              <a:ext uri="{FF2B5EF4-FFF2-40B4-BE49-F238E27FC236}">
+                <a16:creationId xmlns:a16="http://schemas.microsoft.com/office/drawing/2014/main" id="{AE56134A-61BF-91D7-F893-E3619B6CB952}"/>
+              </a:ext>
+            </a:extLst>
+          </p:cNvPr>
+          <p:cNvSpPr>
+            <a:spLocks noGrp="1"/>
+          </p:cNvSpPr>
+          <p:nvPr>
+            <p:ph idx="1"/>
+          </p:nvPr>
+        </p:nvSpPr>
+        <p:spPr/>
+        <p:txBody>
+          <a:bodyPr>
+            <a:normAutofit lnSpcReduction="10000"/>
+          </a:bodyPr>
+          <a:lstStyle/>
+          <a:p>
+            <a:r>
+              <a:rPr lang="en-US" dirty="0"/>
+              <a:t>You can use all the copilot and </a:t>
+            </a:r>
+            <a:r>
+              <a:rPr lang="en-US" dirty="0" err="1"/>
+              <a:t>Stackoverflow</a:t>
+            </a:r>
+            <a:r>
+              <a:rPr lang="en-US" dirty="0"/>
+              <a:t> and </a:t>
+            </a:r>
+            <a:r>
+              <a:rPr lang="en-US" dirty="0" err="1"/>
+              <a:t>ChatGPT</a:t>
+            </a:r>
+            <a:r>
+              <a:rPr lang="en-US" dirty="0"/>
+              <a:t> you like</a:t>
+            </a:r>
+          </a:p>
+          <a:p>
+            <a:pPr lvl="1"/>
+            <a:r>
+              <a:rPr lang="en-US" dirty="0"/>
+              <a:t>Also to generate text in your report, but remember you are not graded by number of words</a:t>
+            </a:r>
+          </a:p>
+          <a:p>
+            <a:pPr lvl="1"/>
+            <a:r>
+              <a:rPr lang="en-US" dirty="0"/>
+              <a:t>A good 10-page report will always be better than a 50-page report with a lot of nonsense in it</a:t>
+            </a:r>
+          </a:p>
+          <a:p>
+            <a:pPr lvl="1"/>
+            <a:r>
+              <a:rPr lang="en-US" dirty="0"/>
+              <a:t>Do remember to list the AI’s you used as sources when submitting</a:t>
+            </a:r>
+          </a:p>
+          <a:p>
+            <a:r>
+              <a:rPr lang="en-US" dirty="0"/>
+              <a:t>These PowerPoints will never focus on “how to program this,” as we assume you can figure that one out yourself</a:t>
+            </a:r>
+          </a:p>
+          <a:p>
+            <a:pPr lvl="1"/>
+            <a:r>
+              <a:rPr lang="en-US" dirty="0"/>
+              <a:t>Unlike Python in 1 ITF</a:t>
+            </a:r>
+          </a:p>
+          <a:p>
+            <a:r>
+              <a:rPr lang="en-US" b="1" i="1" dirty="0"/>
+              <a:t>But make sure you understand all the code you submit</a:t>
+            </a:r>
+          </a:p>
+          <a:p>
+            <a:pPr lvl="1"/>
+            <a:r>
+              <a:rPr lang="en-US"/>
+              <a:t>You must </a:t>
+            </a:r>
+            <a:r>
+              <a:rPr lang="en-US" dirty="0"/>
+              <a:t>be able to explain any of the code you used</a:t>
+            </a:r>
+          </a:p>
+          <a:p>
+            <a:endParaRPr lang="en-US" dirty="0"/>
+          </a:p>
+        </p:txBody>
+      </p:sp>
+    </p:spTree>
+    <p:extLst>
+      <p:ext uri="{BB962C8B-B14F-4D97-AF65-F5344CB8AC3E}">
+        <p14:creationId xmlns:p14="http://schemas.microsoft.com/office/powerpoint/2010/main" val="1995461371"/>
+      </p:ext>
+    </p:extLst>
+  </p:cSld>
+  <p:clrMapOvr>
+    <a:masterClrMapping/>
+  </p:clrMapOvr>
+</p:sld>
+</file>
+
+<file path=ppt/slides/slide14.xml><?xml version="1.0" encoding="utf-8"?>
+<p:sld xmlns:a="http://schemas.openxmlformats.org/drawingml/2006/main" xmlns:r="http://schemas.openxmlformats.org/officeDocument/2006/relationships" xmlns:p="http://schemas.openxmlformats.org/presentationml/2006/main">
+  <p:cSld>
+    <p:spTree>
+      <p:nvGrpSpPr>
+        <p:cNvPr id="1" name=""/>
+        <p:cNvGrpSpPr/>
+        <p:nvPr/>
+      </p:nvGrpSpPr>
+      <p:grpSpPr>
+        <a:xfrm>
+          <a:off x="0" y="0"/>
+          <a:ext cx="0" cy="0"/>
+          <a:chOff x="0" y="0"/>
+          <a:chExt cx="0" cy="0"/>
+        </a:xfrm>
+      </p:grpSpPr>
+      <p:sp>
+        <p:nvSpPr>
+          <p:cNvPr id="2" name="Title 1">
+            <a:extLst>
+              <a:ext uri="{FF2B5EF4-FFF2-40B4-BE49-F238E27FC236}">
                 <a16:creationId xmlns:a16="http://schemas.microsoft.com/office/drawing/2014/main" id="{20C97E91-47E6-7080-F3F6-E0811D5D0147}"/>
               </a:ext>
             </a:extLst>
@@ -5162,7 +5317,7 @@
 </p:sld>
 </file>
 
-<file path=ppt/slides/slide14.xml><?xml version="1.0" encoding="utf-8"?>
+<file path=ppt/slides/slide15.xml><?xml version="1.0" encoding="utf-8"?>
 <p:sld xmlns:a="http://schemas.openxmlformats.org/drawingml/2006/main" xmlns:r="http://schemas.openxmlformats.org/officeDocument/2006/relationships" xmlns:p="http://schemas.openxmlformats.org/presentationml/2006/main">
   <p:cSld>
     <p:spTree>
@@ -5996,7 +6151,7 @@
           <p:cNvPr id="2" name="Title 1">
             <a:extLst>
               <a:ext uri="{FF2B5EF4-FFF2-40B4-BE49-F238E27FC236}">
-                <a16:creationId xmlns:a16="http://schemas.microsoft.com/office/drawing/2014/main" id="{0D5FF344-8EEB-E7D7-AEE4-50C367E5CB10}"/>
+                <a16:creationId xmlns:a16="http://schemas.microsoft.com/office/drawing/2014/main" id="{23064B57-32D5-CD03-5B22-1252C321C123}"/>
               </a:ext>
             </a:extLst>
           </p:cNvPr>
@@ -6014,7 +6169,7 @@
           <a:p>
             <a:r>
               <a:rPr lang="en-US" dirty="0"/>
-              <a:t>About the slides</a:t>
+              <a:t>The exam</a:t>
             </a:r>
             <a:endParaRPr lang="en-BE" dirty="0"/>
           </a:p>
@@ -6025,7 +6180,7 @@
           <p:cNvPr id="3" name="Content Placeholder 2">
             <a:extLst>
               <a:ext uri="{FF2B5EF4-FFF2-40B4-BE49-F238E27FC236}">
-                <a16:creationId xmlns:a16="http://schemas.microsoft.com/office/drawing/2014/main" id="{D0C9C61B-F6A2-066F-CE25-B1521DCB64B9}"/>
+                <a16:creationId xmlns:a16="http://schemas.microsoft.com/office/drawing/2014/main" id="{F0767FAB-59D4-FFC6-614F-02507EFD7998}"/>
               </a:ext>
             </a:extLst>
           </p:cNvPr>
@@ -6038,79 +6193,89 @@
         </p:nvSpPr>
         <p:spPr/>
         <p:txBody>
-          <a:bodyPr>
-            <a:normAutofit lnSpcReduction="10000"/>
-          </a:bodyPr>
-          <a:lstStyle/>
-          <a:p>
-            <a:r>
-              <a:rPr lang="en-US" dirty="0"/>
-              <a:t>The central guideline in this course</a:t>
+          <a:bodyPr/>
+          <a:lstStyle/>
+          <a:p>
+            <a:r>
+              <a:rPr lang="en-US" dirty="0"/>
+              <a:t>Project deadline: end of the fall break </a:t>
+            </a:r>
+            <a:r>
+              <a:rPr lang="en-US" b="1" dirty="0"/>
+              <a:t>(5-nov-2023)</a:t>
             </a:r>
           </a:p>
           <a:p>
             <a:pPr lvl="1"/>
             <a:r>
               <a:rPr lang="en-US" dirty="0"/>
-              <a:t>Refers to AWS-course or other external</a:t>
+              <a:t>Upload al the files</a:t>
+            </a:r>
+          </a:p>
+          <a:p>
+            <a:r>
+              <a:rPr lang="en-US" dirty="0"/>
+              <a:t>First week after the break: Presentations in group</a:t>
             </a:r>
           </a:p>
           <a:p>
             <a:pPr lvl="1"/>
             <a:r>
               <a:rPr lang="en-US" dirty="0"/>
-              <a:t>Not numbered per class (week 1 is </a:t>
+              <a:t>Explain your project and your findings</a:t>
+            </a:r>
+          </a:p>
+          <a:p>
+            <a:r>
+              <a:rPr lang="en-US" dirty="0"/>
+              <a:t>Oral exam</a:t>
+            </a:r>
+          </a:p>
+          <a:p>
+            <a:pPr lvl="1"/>
+            <a:r>
+              <a:rPr lang="en-US" dirty="0"/>
+              <a:t>As questions during the presentation</a:t>
+            </a:r>
+          </a:p>
+          <a:p>
+            <a:pPr lvl="1"/>
+            <a:r>
+              <a:rPr lang="en-US" dirty="0"/>
+              <a:t>Deep dive into theoretical concepts</a:t>
+            </a:r>
+          </a:p>
+          <a:p>
+            <a:pPr lvl="1"/>
+            <a:r>
+              <a:rPr lang="en-US" dirty="0"/>
+              <a:t>See the discussion topics for inspiration</a:t>
+            </a:r>
+          </a:p>
+          <a:p>
+            <a:r>
+              <a:rPr lang="en-US" dirty="0"/>
+              <a:t>Grading: 70% project, 30% </a:t>
             </a:r>
             <a:r>
               <a:rPr lang="en-US"/>
-              <a:t>not necessarily ppt 1)</a:t>
-            </a:r>
-          </a:p>
-          <a:p>
-            <a:r>
-              <a:rPr lang="en-US" dirty="0"/>
-              <a:t>Sparsely formatted on purpose</a:t>
-            </a:r>
+              <a:t>theoretical concepts</a:t>
+            </a:r>
+            <a:endParaRPr lang="en-US" dirty="0"/>
+          </a:p>
+          <a:p>
+            <a:endParaRPr lang="en-US" dirty="0"/>
           </a:p>
           <a:p>
             <a:pPr lvl="1"/>
-            <a:r>
-              <a:rPr lang="en-US" dirty="0"/>
-              <a:t>You may apply a theme for yourself</a:t>
-            </a:r>
-          </a:p>
-          <a:p>
-            <a:r>
-              <a:rPr lang="en-US" dirty="0"/>
-              <a:t>Not a good example for your final presentation</a:t>
-            </a:r>
-          </a:p>
-          <a:p>
-            <a:pPr lvl="1"/>
-            <a:r>
-              <a:rPr lang="en-US" dirty="0"/>
-              <a:t>Your final presentation: sell yourself (or your project) to a jury</a:t>
-            </a:r>
-          </a:p>
-          <a:p>
-            <a:pPr lvl="1"/>
-            <a:r>
-              <a:rPr lang="en-US" dirty="0"/>
-              <a:t>These presentation: course material, not selling anything</a:t>
-            </a:r>
-          </a:p>
-          <a:p>
-            <a:r>
-              <a:rPr lang="en-US" dirty="0"/>
-              <a:t>Don’t forget the notes, sometimes they contain more information or useful links</a:t>
-            </a:r>
+            <a:endParaRPr lang="en-BE" dirty="0"/>
           </a:p>
         </p:txBody>
       </p:sp>
     </p:spTree>
     <p:extLst>
       <p:ext uri="{BB962C8B-B14F-4D97-AF65-F5344CB8AC3E}">
-        <p14:creationId xmlns:p14="http://schemas.microsoft.com/office/powerpoint/2010/main" val="4079949891"/>
+        <p14:creationId xmlns:p14="http://schemas.microsoft.com/office/powerpoint/2010/main" val="2763235997"/>
       </p:ext>
     </p:extLst>
   </p:cSld>
@@ -6142,7 +6307,7 @@
           <p:cNvPr id="2" name="Title 1">
             <a:extLst>
               <a:ext uri="{FF2B5EF4-FFF2-40B4-BE49-F238E27FC236}">
-                <a16:creationId xmlns:a16="http://schemas.microsoft.com/office/drawing/2014/main" id="{063886BD-AEB8-93A0-D7D0-B6866BB548FB}"/>
+                <a16:creationId xmlns:a16="http://schemas.microsoft.com/office/drawing/2014/main" id="{0D5FF344-8EEB-E7D7-AEE4-50C367E5CB10}"/>
               </a:ext>
             </a:extLst>
           </p:cNvPr>
@@ -6171,7 +6336,7 @@
           <p:cNvPr id="3" name="Content Placeholder 2">
             <a:extLst>
               <a:ext uri="{FF2B5EF4-FFF2-40B4-BE49-F238E27FC236}">
-                <a16:creationId xmlns:a16="http://schemas.microsoft.com/office/drawing/2014/main" id="{1FA026EB-F47D-F29C-37A2-487A7886AB3D}"/>
+                <a16:creationId xmlns:a16="http://schemas.microsoft.com/office/drawing/2014/main" id="{D0C9C61B-F6A2-066F-CE25-B1521DCB64B9}"/>
               </a:ext>
             </a:extLst>
           </p:cNvPr>
@@ -6184,92 +6349,79 @@
         </p:nvSpPr>
         <p:spPr/>
         <p:txBody>
-          <a:bodyPr/>
-          <a:lstStyle/>
-          <a:p>
-            <a:r>
-              <a:rPr lang="en-US" dirty="0" err="1"/>
-              <a:t>Powerpoint</a:t>
-            </a:r>
-            <a:r>
-              <a:rPr lang="en-US" dirty="0"/>
-              <a:t> is supercalifragilisticexpialidocious, but it has it’s limits</a:t>
-            </a:r>
-          </a:p>
-          <a:p>
-            <a:r>
-              <a:rPr lang="en-US" dirty="0"/>
-              <a:t>Sometimes the slide will be a link</a:t>
+          <a:bodyPr>
+            <a:normAutofit lnSpcReduction="10000"/>
+          </a:bodyPr>
+          <a:lstStyle/>
+          <a:p>
+            <a:r>
+              <a:rPr lang="en-US" dirty="0"/>
+              <a:t>The central guideline in this course</a:t>
             </a:r>
           </a:p>
           <a:p>
             <a:pPr lvl="1"/>
             <a:r>
               <a:rPr lang="en-US" dirty="0"/>
-              <a:t>To a </a:t>
-            </a:r>
-            <a:r>
-              <a:rPr lang="en-US" dirty="0" err="1"/>
-              <a:t>jupyter</a:t>
-            </a:r>
-            <a:r>
-              <a:rPr lang="en-US" dirty="0"/>
-              <a:t> notebook with explanations</a:t>
+              <a:t>Refers to AWS-course or other external</a:t>
             </a:r>
           </a:p>
           <a:p>
             <a:pPr lvl="1"/>
             <a:r>
               <a:rPr lang="en-US" dirty="0"/>
-              <a:t>To a </a:t>
-            </a:r>
-            <a:r>
-              <a:rPr lang="en-US" dirty="0" err="1"/>
-              <a:t>jupyter</a:t>
-            </a:r>
-            <a:r>
-              <a:rPr lang="en-US" dirty="0"/>
-              <a:t> notebook with an exercise</a:t>
+              <a:t>Not numbered per class (week 1 is </a:t>
+            </a:r>
+            <a:r>
+              <a:rPr lang="en-US"/>
+              <a:t>not necessarily ppt 1)</a:t>
+            </a:r>
+          </a:p>
+          <a:p>
+            <a:r>
+              <a:rPr lang="en-US" dirty="0"/>
+              <a:t>Sparsely formatted on purpose</a:t>
             </a:r>
           </a:p>
           <a:p>
             <a:pPr lvl="1"/>
             <a:r>
               <a:rPr lang="en-US" dirty="0"/>
-              <a:t>To a markdown-file with explanations</a:t>
+              <a:t>You may apply a theme for yourself</a:t>
+            </a:r>
+          </a:p>
+          <a:p>
+            <a:r>
+              <a:rPr lang="en-US" dirty="0"/>
+              <a:t>Not a good example for your final presentation</a:t>
             </a:r>
           </a:p>
           <a:p>
             <a:pPr lvl="1"/>
             <a:r>
               <a:rPr lang="en-US" dirty="0"/>
-              <a:t>To the module on AWS</a:t>
+              <a:t>Your final presentation: sell yourself (or your project) to a jury</a:t>
             </a:r>
           </a:p>
           <a:p>
             <a:pPr lvl="1"/>
             <a:r>
               <a:rPr lang="en-US" dirty="0"/>
-              <a:t>…</a:t>
-            </a:r>
-          </a:p>
-          <a:p>
-            <a:r>
-              <a:rPr lang="en-US" dirty="0"/>
-              <a:t>The slides are the guide between all the other course material, but it’s not the only </a:t>
-            </a:r>
-            <a:r>
-              <a:rPr lang="en-US"/>
-              <a:t>course material</a:t>
-            </a:r>
-            <a:endParaRPr lang="en-BE" dirty="0"/>
+              <a:t>These presentation: course material, not selling anything</a:t>
+            </a:r>
+          </a:p>
+          <a:p>
+            <a:r>
+              <a:rPr lang="en-US" dirty="0"/>
+              <a:t>Don’t forget the notes, sometimes they contain more information or useful links</a:t>
+            </a:r>
           </a:p>
         </p:txBody>
       </p:sp>
     </p:spTree>
     <p:extLst>
       <p:ext uri="{BB962C8B-B14F-4D97-AF65-F5344CB8AC3E}">
-        <p14:creationId xmlns:p14="http://schemas.microsoft.com/office/powerpoint/2010/main" val="332508798"/>
+        <p14:creationId xmlns:p14="http://schemas.microsoft.com/office/powerpoint/2010/main" val="4079949891"/>
       </p:ext>
     </p:extLst>
   </p:cSld>
@@ -6301,7 +6453,7 @@
           <p:cNvPr id="2" name="Title 1">
             <a:extLst>
               <a:ext uri="{FF2B5EF4-FFF2-40B4-BE49-F238E27FC236}">
-                <a16:creationId xmlns:a16="http://schemas.microsoft.com/office/drawing/2014/main" id="{19631A52-04C3-3825-3DAF-62B606D2A36D}"/>
+                <a16:creationId xmlns:a16="http://schemas.microsoft.com/office/drawing/2014/main" id="{063886BD-AEB8-93A0-D7D0-B6866BB548FB}"/>
               </a:ext>
             </a:extLst>
           </p:cNvPr>
@@ -6319,7 +6471,7 @@
           <a:p>
             <a:r>
               <a:rPr lang="en-US" dirty="0"/>
-              <a:t>What we’ll be doing</a:t>
+              <a:t>About the slides</a:t>
             </a:r>
             <a:endParaRPr lang="en-BE" dirty="0"/>
           </a:p>
@@ -6330,7 +6482,7 @@
           <p:cNvPr id="3" name="Content Placeholder 2">
             <a:extLst>
               <a:ext uri="{FF2B5EF4-FFF2-40B4-BE49-F238E27FC236}">
-                <a16:creationId xmlns:a16="http://schemas.microsoft.com/office/drawing/2014/main" id="{A84A457F-69FF-5C5D-6CCB-8A2245676E80}"/>
+                <a16:creationId xmlns:a16="http://schemas.microsoft.com/office/drawing/2014/main" id="{1FA026EB-F47D-F29C-37A2-487A7886AB3D}"/>
               </a:ext>
             </a:extLst>
           </p:cNvPr>
@@ -6343,109 +6495,92 @@
         </p:nvSpPr>
         <p:spPr/>
         <p:txBody>
-          <a:bodyPr>
-            <a:normAutofit fontScale="92500" lnSpcReduction="10000"/>
-          </a:bodyPr>
-          <a:lstStyle/>
-          <a:p>
-            <a:r>
-              <a:rPr lang="en-US" dirty="0"/>
-              <a:t>Modules on AWS</a:t>
+          <a:bodyPr/>
+          <a:lstStyle/>
+          <a:p>
+            <a:r>
+              <a:rPr lang="en-US" dirty="0" err="1"/>
+              <a:t>Powerpoint</a:t>
+            </a:r>
+            <a:r>
+              <a:rPr lang="en-US" dirty="0"/>
+              <a:t> is supercalifragilisticexpialidocious, but it has it’s limits</a:t>
+            </a:r>
+          </a:p>
+          <a:p>
+            <a:r>
+              <a:rPr lang="en-US" dirty="0"/>
+              <a:t>Sometimes the slide will be a link</a:t>
             </a:r>
           </a:p>
           <a:p>
             <a:pPr lvl="1"/>
             <a:r>
               <a:rPr lang="en-US" dirty="0"/>
-              <a:t>Contain course material and exercises</a:t>
+              <a:t>To a </a:t>
+            </a:r>
+            <a:r>
+              <a:rPr lang="en-US" dirty="0" err="1"/>
+              <a:t>jupyter</a:t>
+            </a:r>
+            <a:r>
+              <a:rPr lang="en-US" dirty="0"/>
+              <a:t> notebook with explanations</a:t>
             </a:r>
           </a:p>
           <a:p>
             <a:pPr lvl="1"/>
             <a:r>
               <a:rPr lang="en-US" dirty="0"/>
-              <a:t>But the exercises are easy (just run the code, sometimes type some python)</a:t>
-            </a:r>
-          </a:p>
-          <a:p>
-            <a:r>
-              <a:rPr lang="en-US" dirty="0"/>
-              <a:t>Discussion topics</a:t>
+              <a:t>To a </a:t>
+            </a:r>
+            <a:r>
+              <a:rPr lang="en-US" dirty="0" err="1"/>
+              <a:t>jupyter</a:t>
+            </a:r>
+            <a:r>
+              <a:rPr lang="en-US" dirty="0"/>
+              <a:t> notebook with an exercise</a:t>
             </a:r>
           </a:p>
           <a:p>
             <a:pPr lvl="1"/>
             <a:r>
               <a:rPr lang="en-US" dirty="0"/>
-              <a:t>Basis for oral part of examination</a:t>
+              <a:t>To a markdown-file with explanations</a:t>
             </a:r>
           </a:p>
           <a:p>
             <a:pPr lvl="1"/>
             <a:r>
               <a:rPr lang="en-US" dirty="0"/>
-              <a:t>Tries to get you to reflect on the course material (AWS and PPT)</a:t>
+              <a:t>To the module on AWS</a:t>
             </a:r>
           </a:p>
           <a:p>
             <a:pPr lvl="1"/>
             <a:r>
               <a:rPr lang="en-US" dirty="0"/>
-              <a:t>To be discussed in your project-team</a:t>
-            </a:r>
-          </a:p>
-          <a:p>
-            <a:r>
-              <a:rPr lang="en-US" dirty="0"/>
-              <a:t>Exercises</a:t>
-            </a:r>
-          </a:p>
-          <a:p>
-            <a:pPr lvl="1"/>
-            <a:r>
-              <a:rPr lang="en-US" dirty="0"/>
-              <a:t>To be done on </a:t>
-            </a:r>
-            <a:r>
-              <a:rPr lang="en-US" dirty="0" err="1"/>
-              <a:t>Sagemaker</a:t>
+              <a:t>…</a:t>
+            </a:r>
+          </a:p>
+          <a:p>
+            <a:r>
+              <a:rPr lang="en-US" dirty="0"/>
+              <a:t>The slides are the guide between all the other course material, but it’s not the only </a:t>
             </a:r>
             <a:r>
               <a:rPr lang="en-US"/>
-              <a:t> or </a:t>
-            </a:r>
-            <a:r>
-              <a:rPr lang="en-US" dirty="0"/>
-              <a:t>locally</a:t>
-            </a:r>
-          </a:p>
-          <a:p>
-            <a:pPr lvl="1"/>
-            <a:r>
-              <a:rPr lang="en-US" dirty="0"/>
-              <a:t>Individual, but may be discussed in your project team</a:t>
-            </a:r>
-          </a:p>
-          <a:p>
-            <a:pPr lvl="1"/>
-            <a:r>
-              <a:rPr lang="en-US" dirty="0"/>
-              <a:t>Not real “exercises,” more guidelines</a:t>
-            </a:r>
-          </a:p>
-          <a:p>
-            <a:pPr lvl="1"/>
-            <a:r>
-              <a:rPr lang="en-US" dirty="0"/>
-              <a:t>Can generally be done in under 10 minutes, but shouldn’t</a:t>
-            </a:r>
+              <a:t>course material</a:t>
+            </a:r>
+            <a:endParaRPr lang="en-BE" dirty="0"/>
           </a:p>
         </p:txBody>
       </p:sp>
     </p:spTree>
     <p:extLst>
       <p:ext uri="{BB962C8B-B14F-4D97-AF65-F5344CB8AC3E}">
-        <p14:creationId xmlns:p14="http://schemas.microsoft.com/office/powerpoint/2010/main" val="970023847"/>
+        <p14:creationId xmlns:p14="http://schemas.microsoft.com/office/powerpoint/2010/main" val="332508798"/>
       </p:ext>
     </p:extLst>
   </p:cSld>
@@ -6472,111 +6607,156 @@
           <a:chExt cx="0" cy="0"/>
         </a:xfrm>
       </p:grpSpPr>
-      <p:pic>
-        <p:nvPicPr>
-          <p:cNvPr id="5" name="Content Placeholder 4" descr="A book cover with a yellow background&#10;&#10;Description automatically generated with low confidence">
-            <a:extLst>
-              <a:ext uri="{FF2B5EF4-FFF2-40B4-BE49-F238E27FC236}">
-                <a16:creationId xmlns:a16="http://schemas.microsoft.com/office/drawing/2014/main" id="{B170B5E1-99DB-5E35-B0F9-3AABE610B9EB}"/>
-              </a:ext>
-            </a:extLst>
-          </p:cNvPr>
-          <p:cNvPicPr>
-            <a:picLocks noGrp="1" noChangeAspect="1"/>
-          </p:cNvPicPr>
+      <p:sp>
+        <p:nvSpPr>
+          <p:cNvPr id="2" name="Title 1">
+            <a:extLst>
+              <a:ext uri="{FF2B5EF4-FFF2-40B4-BE49-F238E27FC236}">
+                <a16:creationId xmlns:a16="http://schemas.microsoft.com/office/drawing/2014/main" id="{19631A52-04C3-3825-3DAF-62B606D2A36D}"/>
+              </a:ext>
+            </a:extLst>
+          </p:cNvPr>
+          <p:cNvSpPr>
+            <a:spLocks noGrp="1"/>
+          </p:cNvSpPr>
+          <p:nvPr>
+            <p:ph type="title"/>
+          </p:nvPr>
+        </p:nvSpPr>
+        <p:spPr/>
+        <p:txBody>
+          <a:bodyPr/>
+          <a:lstStyle/>
+          <a:p>
+            <a:r>
+              <a:rPr lang="en-US" dirty="0"/>
+              <a:t>What we’ll be doing</a:t>
+            </a:r>
+            <a:endParaRPr lang="en-BE" dirty="0"/>
+          </a:p>
+        </p:txBody>
+      </p:sp>
+      <p:sp>
+        <p:nvSpPr>
+          <p:cNvPr id="3" name="Content Placeholder 2">
+            <a:extLst>
+              <a:ext uri="{FF2B5EF4-FFF2-40B4-BE49-F238E27FC236}">
+                <a16:creationId xmlns:a16="http://schemas.microsoft.com/office/drawing/2014/main" id="{A84A457F-69FF-5C5D-6CCB-8A2245676E80}"/>
+              </a:ext>
+            </a:extLst>
+          </p:cNvPr>
+          <p:cNvSpPr>
+            <a:spLocks noGrp="1"/>
+          </p:cNvSpPr>
           <p:nvPr>
             <p:ph idx="1"/>
           </p:nvPr>
-        </p:nvPicPr>
-        <p:blipFill>
-          <a:blip r:embed="rId3">
-            <a:extLst>
-              <a:ext uri="{28A0092B-C50C-407E-A947-70E740481C1C}">
-                <a14:useLocalDpi xmlns:a14="http://schemas.microsoft.com/office/drawing/2010/main" val="0"/>
-              </a:ext>
-            </a:extLst>
-          </a:blip>
-          <a:stretch>
-            <a:fillRect/>
-          </a:stretch>
-        </p:blipFill>
-        <p:spPr>
-          <a:xfrm>
-            <a:off x="653780" y="816177"/>
-            <a:ext cx="3409816" cy="5225646"/>
-          </a:xfrm>
-        </p:spPr>
-      </p:pic>
-      <p:pic>
-        <p:nvPicPr>
-          <p:cNvPr id="7" name="Picture 6">
-            <a:extLst>
-              <a:ext uri="{FF2B5EF4-FFF2-40B4-BE49-F238E27FC236}">
-                <a16:creationId xmlns:a16="http://schemas.microsoft.com/office/drawing/2014/main" id="{64B8CF50-722C-7EDF-DC19-BE7C8E2FD96D}"/>
-              </a:ext>
-            </a:extLst>
-          </p:cNvPr>
-          <p:cNvPicPr>
-            <a:picLocks noChangeAspect="1"/>
-          </p:cNvPicPr>
-          <p:nvPr/>
-        </p:nvPicPr>
-        <p:blipFill>
-          <a:blip r:embed="rId4"/>
-          <a:stretch>
-            <a:fillRect/>
-          </a:stretch>
-        </p:blipFill>
-        <p:spPr>
-          <a:xfrm>
-            <a:off x="7399952" y="1355632"/>
-            <a:ext cx="4614652" cy="4146733"/>
-          </a:xfrm>
-          <a:prstGeom prst="rect">
-            <a:avLst/>
-          </a:prstGeom>
-        </p:spPr>
-      </p:pic>
-      <p:pic>
-        <p:nvPicPr>
-          <p:cNvPr id="9" name="Picture 8" descr="A picture containing graphics, graphic design, colorfulness, art&#10;&#10;Description automatically generated">
-            <a:extLst>
-              <a:ext uri="{FF2B5EF4-FFF2-40B4-BE49-F238E27FC236}">
-                <a16:creationId xmlns:a16="http://schemas.microsoft.com/office/drawing/2014/main" id="{E07D6487-2D63-470A-2B82-7907A4F91C90}"/>
-              </a:ext>
-            </a:extLst>
-          </p:cNvPr>
-          <p:cNvPicPr>
-            <a:picLocks noChangeAspect="1"/>
-          </p:cNvPicPr>
-          <p:nvPr/>
-        </p:nvPicPr>
-        <p:blipFill>
-          <a:blip r:embed="rId5">
-            <a:extLst>
-              <a:ext uri="{28A0092B-C50C-407E-A947-70E740481C1C}">
-                <a14:useLocalDpi xmlns:a14="http://schemas.microsoft.com/office/drawing/2010/main" val="0"/>
-              </a:ext>
-            </a:extLst>
-          </a:blip>
-          <a:stretch>
-            <a:fillRect/>
-          </a:stretch>
-        </p:blipFill>
-        <p:spPr>
-          <a:xfrm>
-            <a:off x="5089314" y="1347542"/>
-            <a:ext cx="1728891" cy="4162915"/>
-          </a:xfrm>
-          <a:prstGeom prst="rect">
-            <a:avLst/>
-          </a:prstGeom>
-        </p:spPr>
-      </p:pic>
+        </p:nvSpPr>
+        <p:spPr/>
+        <p:txBody>
+          <a:bodyPr>
+            <a:normAutofit fontScale="92500" lnSpcReduction="10000"/>
+          </a:bodyPr>
+          <a:lstStyle/>
+          <a:p>
+            <a:r>
+              <a:rPr lang="en-US" dirty="0"/>
+              <a:t>Modules on AWS</a:t>
+            </a:r>
+          </a:p>
+          <a:p>
+            <a:pPr lvl="1"/>
+            <a:r>
+              <a:rPr lang="en-US" dirty="0"/>
+              <a:t>Contain course material and exercises</a:t>
+            </a:r>
+          </a:p>
+          <a:p>
+            <a:pPr lvl="1"/>
+            <a:r>
+              <a:rPr lang="en-US" dirty="0"/>
+              <a:t>But the exercises are easy (just run the code, sometimes type some python)</a:t>
+            </a:r>
+          </a:p>
+          <a:p>
+            <a:r>
+              <a:rPr lang="en-US" dirty="0"/>
+              <a:t>Discussion topics</a:t>
+            </a:r>
+          </a:p>
+          <a:p>
+            <a:pPr lvl="1"/>
+            <a:r>
+              <a:rPr lang="en-US" dirty="0"/>
+              <a:t>Basis for oral part of examination</a:t>
+            </a:r>
+          </a:p>
+          <a:p>
+            <a:pPr lvl="1"/>
+            <a:r>
+              <a:rPr lang="en-US" dirty="0"/>
+              <a:t>Tries to get you to reflect on the course material (AWS and PPT)</a:t>
+            </a:r>
+          </a:p>
+          <a:p>
+            <a:pPr lvl="1"/>
+            <a:r>
+              <a:rPr lang="en-US" dirty="0"/>
+              <a:t>To be discussed in your project-team</a:t>
+            </a:r>
+          </a:p>
+          <a:p>
+            <a:r>
+              <a:rPr lang="en-US" dirty="0"/>
+              <a:t>Exercises</a:t>
+            </a:r>
+          </a:p>
+          <a:p>
+            <a:pPr lvl="1"/>
+            <a:r>
+              <a:rPr lang="en-US" dirty="0"/>
+              <a:t>To be done on </a:t>
+            </a:r>
+            <a:r>
+              <a:rPr lang="en-US" dirty="0" err="1"/>
+              <a:t>Sagemaker</a:t>
+            </a:r>
+            <a:r>
+              <a:rPr lang="en-US"/>
+              <a:t> or </a:t>
+            </a:r>
+            <a:r>
+              <a:rPr lang="en-US" dirty="0"/>
+              <a:t>locally</a:t>
+            </a:r>
+          </a:p>
+          <a:p>
+            <a:pPr lvl="1"/>
+            <a:r>
+              <a:rPr lang="en-US" dirty="0"/>
+              <a:t>Individual, but may be discussed in your project team</a:t>
+            </a:r>
+          </a:p>
+          <a:p>
+            <a:pPr lvl="1"/>
+            <a:r>
+              <a:rPr lang="en-US" dirty="0"/>
+              <a:t>Not real “exercises,” more guidelines</a:t>
+            </a:r>
+          </a:p>
+          <a:p>
+            <a:pPr lvl="1"/>
+            <a:r>
+              <a:rPr lang="en-US" dirty="0"/>
+              <a:t>Can generally be done in under 10 minutes, but shouldn’t</a:t>
+            </a:r>
+          </a:p>
+        </p:txBody>
+      </p:sp>
     </p:spTree>
     <p:extLst>
       <p:ext uri="{BB962C8B-B14F-4D97-AF65-F5344CB8AC3E}">
-        <p14:creationId xmlns:p14="http://schemas.microsoft.com/office/powerpoint/2010/main" val="1544678492"/>
+        <p14:creationId xmlns:p14="http://schemas.microsoft.com/office/powerpoint/2010/main" val="970023847"/>
       </p:ext>
     </p:extLst>
   </p:cSld>

--- a/PPT/0 - Intro.pptx
+++ b/PPT/0 - Intro.pptx
@@ -5,7 +5,7 @@
     <p:sldMasterId id="2147483648" r:id="rId1"/>
   </p:sldMasterIdLst>
   <p:notesMasterIdLst>
-    <p:notesMasterId r:id="rId17"/>
+    <p:notesMasterId r:id="rId18"/>
   </p:notesMasterIdLst>
   <p:sldIdLst>
     <p:sldId id="256" r:id="rId2"/>
@@ -14,15 +14,16 @@
     <p:sldId id="259" r:id="rId5"/>
     <p:sldId id="260" r:id="rId6"/>
     <p:sldId id="270" r:id="rId7"/>
-    <p:sldId id="261" r:id="rId8"/>
-    <p:sldId id="269" r:id="rId9"/>
-    <p:sldId id="263" r:id="rId10"/>
-    <p:sldId id="268" r:id="rId11"/>
-    <p:sldId id="265" r:id="rId12"/>
-    <p:sldId id="266" r:id="rId13"/>
-    <p:sldId id="267" r:id="rId14"/>
-    <p:sldId id="264" r:id="rId15"/>
-    <p:sldId id="262" r:id="rId16"/>
+    <p:sldId id="271" r:id="rId8"/>
+    <p:sldId id="261" r:id="rId9"/>
+    <p:sldId id="269" r:id="rId10"/>
+    <p:sldId id="263" r:id="rId11"/>
+    <p:sldId id="268" r:id="rId12"/>
+    <p:sldId id="265" r:id="rId13"/>
+    <p:sldId id="266" r:id="rId14"/>
+    <p:sldId id="267" r:id="rId15"/>
+    <p:sldId id="264" r:id="rId16"/>
+    <p:sldId id="262" r:id="rId17"/>
   </p:sldIdLst>
   <p:sldSz cx="12192000" cy="6858000"/>
   <p:notesSz cx="6858000" cy="9144000"/>
@@ -142,7 +143,7 @@
   <pc:docChgLst>
     <pc:chgData name="Jochen Mariën" userId="a4f8d9ed-3895-4365-b2d5-9432cb8a20d4" providerId="ADAL" clId="{F8B58BD1-8A92-4B5C-93A7-BA3B925EE1A2}"/>
     <pc:docChg chg="undo custSel addSld modSld">
-      <pc:chgData name="Jochen Mariën" userId="a4f8d9ed-3895-4365-b2d5-9432cb8a20d4" providerId="ADAL" clId="{F8B58BD1-8A92-4B5C-93A7-BA3B925EE1A2}" dt="2023-06-13T07:33:25.115" v="1866" actId="20577"/>
+      <pc:chgData name="Jochen Mariën" userId="a4f8d9ed-3895-4365-b2d5-9432cb8a20d4" providerId="ADAL" clId="{F8B58BD1-8A92-4B5C-93A7-BA3B925EE1A2}" dt="2023-06-14T09:03:29.434" v="2419" actId="20577"/>
       <pc:docMkLst>
         <pc:docMk/>
       </pc:docMkLst>
@@ -274,6 +275,29 @@
             <pc:docMk/>
             <pc:sldMk cId="2763235997" sldId="270"/>
             <ac:spMk id="3" creationId="{F0767FAB-59D4-FFC6-614F-02507EFD7998}"/>
+          </ac:spMkLst>
+        </pc:spChg>
+      </pc:sldChg>
+      <pc:sldChg chg="modSp new mod">
+        <pc:chgData name="Jochen Mariën" userId="a4f8d9ed-3895-4365-b2d5-9432cb8a20d4" providerId="ADAL" clId="{F8B58BD1-8A92-4B5C-93A7-BA3B925EE1A2}" dt="2023-06-14T09:03:29.434" v="2419" actId="20577"/>
+        <pc:sldMkLst>
+          <pc:docMk/>
+          <pc:sldMk cId="153793110" sldId="271"/>
+        </pc:sldMkLst>
+        <pc:spChg chg="mod">
+          <ac:chgData name="Jochen Mariën" userId="a4f8d9ed-3895-4365-b2d5-9432cb8a20d4" providerId="ADAL" clId="{F8B58BD1-8A92-4B5C-93A7-BA3B925EE1A2}" dt="2023-06-14T09:00:46.012" v="1878" actId="20577"/>
+          <ac:spMkLst>
+            <pc:docMk/>
+            <pc:sldMk cId="153793110" sldId="271"/>
+            <ac:spMk id="2" creationId="{B3F8C421-B1B2-79B9-7EC0-56998B8E33EC}"/>
+          </ac:spMkLst>
+        </pc:spChg>
+        <pc:spChg chg="mod">
+          <ac:chgData name="Jochen Mariën" userId="a4f8d9ed-3895-4365-b2d5-9432cb8a20d4" providerId="ADAL" clId="{F8B58BD1-8A92-4B5C-93A7-BA3B925EE1A2}" dt="2023-06-14T09:03:29.434" v="2419" actId="20577"/>
+          <ac:spMkLst>
+            <pc:docMk/>
+            <pc:sldMk cId="153793110" sldId="271"/>
+            <ac:spMk id="3" creationId="{53E2B102-B73A-7E7C-6926-6C140E9A4C9A}"/>
           </ac:spMkLst>
         </pc:spChg>
       </pc:sldChg>
@@ -542,7 +566,7 @@
           <a:p>
             <a:fld id="{8F880CE3-57C3-4E29-A2D5-BE0FDC8C5C38}" type="datetimeFigureOut">
               <a:rPr lang="en-BE" smtClean="0"/>
-              <a:t>13/06/2023</a:t>
+              <a:t>14/06/2023</a:t>
             </a:fld>
             <a:endParaRPr lang="en-BE"/>
           </a:p>
@@ -981,7 +1005,7 @@
           <a:p>
             <a:fld id="{9F487898-0C4F-431B-9DF3-B96052A5BB4A}" type="slidenum">
               <a:rPr lang="en-BE" smtClean="0"/>
-              <a:t>10</a:t>
+              <a:t>11</a:t>
             </a:fld>
             <a:endParaRPr lang="en-BE"/>
           </a:p>
@@ -1085,7 +1109,7 @@
           <a:p>
             <a:fld id="{9F487898-0C4F-431B-9DF3-B96052A5BB4A}" type="slidenum">
               <a:rPr lang="en-BE" smtClean="0"/>
-              <a:t>11</a:t>
+              <a:t>12</a:t>
             </a:fld>
             <a:endParaRPr lang="en-BE"/>
           </a:p>
@@ -1173,7 +1197,7 @@
           <a:p>
             <a:fld id="{9F487898-0C4F-431B-9DF3-B96052A5BB4A}" type="slidenum">
               <a:rPr lang="en-BE" smtClean="0"/>
-              <a:t>15</a:t>
+              <a:t>16</a:t>
             </a:fld>
             <a:endParaRPr lang="en-BE"/>
           </a:p>
@@ -1341,7 +1365,7 @@
           <a:p>
             <a:fld id="{DCCC402D-880E-47E2-A255-30C14FE14143}" type="datetimeFigureOut">
               <a:rPr lang="en-BE" smtClean="0"/>
-              <a:t>13/06/2023</a:t>
+              <a:t>14/06/2023</a:t>
             </a:fld>
             <a:endParaRPr lang="en-BE"/>
           </a:p>
@@ -1541,7 +1565,7 @@
           <a:p>
             <a:fld id="{DCCC402D-880E-47E2-A255-30C14FE14143}" type="datetimeFigureOut">
               <a:rPr lang="en-BE" smtClean="0"/>
-              <a:t>13/06/2023</a:t>
+              <a:t>14/06/2023</a:t>
             </a:fld>
             <a:endParaRPr lang="en-BE"/>
           </a:p>
@@ -1751,7 +1775,7 @@
           <a:p>
             <a:fld id="{DCCC402D-880E-47E2-A255-30C14FE14143}" type="datetimeFigureOut">
               <a:rPr lang="en-BE" smtClean="0"/>
-              <a:t>13/06/2023</a:t>
+              <a:t>14/06/2023</a:t>
             </a:fld>
             <a:endParaRPr lang="en-BE"/>
           </a:p>
@@ -1951,7 +1975,7 @@
           <a:p>
             <a:fld id="{DCCC402D-880E-47E2-A255-30C14FE14143}" type="datetimeFigureOut">
               <a:rPr lang="en-BE" smtClean="0"/>
-              <a:t>13/06/2023</a:t>
+              <a:t>14/06/2023</a:t>
             </a:fld>
             <a:endParaRPr lang="en-BE"/>
           </a:p>
@@ -2227,7 +2251,7 @@
           <a:p>
             <a:fld id="{DCCC402D-880E-47E2-A255-30C14FE14143}" type="datetimeFigureOut">
               <a:rPr lang="en-BE" smtClean="0"/>
-              <a:t>13/06/2023</a:t>
+              <a:t>14/06/2023</a:t>
             </a:fld>
             <a:endParaRPr lang="en-BE"/>
           </a:p>
@@ -2495,7 +2519,7 @@
           <a:p>
             <a:fld id="{DCCC402D-880E-47E2-A255-30C14FE14143}" type="datetimeFigureOut">
               <a:rPr lang="en-BE" smtClean="0"/>
-              <a:t>13/06/2023</a:t>
+              <a:t>14/06/2023</a:t>
             </a:fld>
             <a:endParaRPr lang="en-BE"/>
           </a:p>
@@ -2910,7 +2934,7 @@
           <a:p>
             <a:fld id="{DCCC402D-880E-47E2-A255-30C14FE14143}" type="datetimeFigureOut">
               <a:rPr lang="en-BE" smtClean="0"/>
-              <a:t>13/06/2023</a:t>
+              <a:t>14/06/2023</a:t>
             </a:fld>
             <a:endParaRPr lang="en-BE"/>
           </a:p>
@@ -3052,7 +3076,7 @@
           <a:p>
             <a:fld id="{DCCC402D-880E-47E2-A255-30C14FE14143}" type="datetimeFigureOut">
               <a:rPr lang="en-BE" smtClean="0"/>
-              <a:t>13/06/2023</a:t>
+              <a:t>14/06/2023</a:t>
             </a:fld>
             <a:endParaRPr lang="en-BE"/>
           </a:p>
@@ -3165,7 +3189,7 @@
           <a:p>
             <a:fld id="{DCCC402D-880E-47E2-A255-30C14FE14143}" type="datetimeFigureOut">
               <a:rPr lang="en-BE" smtClean="0"/>
-              <a:t>13/06/2023</a:t>
+              <a:t>14/06/2023</a:t>
             </a:fld>
             <a:endParaRPr lang="en-BE"/>
           </a:p>
@@ -3478,7 +3502,7 @@
           <a:p>
             <a:fld id="{DCCC402D-880E-47E2-A255-30C14FE14143}" type="datetimeFigureOut">
               <a:rPr lang="en-BE" smtClean="0"/>
-              <a:t>13/06/2023</a:t>
+              <a:t>14/06/2023</a:t>
             </a:fld>
             <a:endParaRPr lang="en-BE"/>
           </a:p>
@@ -3767,7 +3791,7 @@
           <a:p>
             <a:fld id="{DCCC402D-880E-47E2-A255-30C14FE14143}" type="datetimeFigureOut">
               <a:rPr lang="en-BE" smtClean="0"/>
-              <a:t>13/06/2023</a:t>
+              <a:t>14/06/2023</a:t>
             </a:fld>
             <a:endParaRPr lang="en-BE"/>
           </a:p>
@@ -4010,7 +4034,7 @@
           <a:p>
             <a:fld id="{DCCC402D-880E-47E2-A255-30C14FE14143}" type="datetimeFigureOut">
               <a:rPr lang="en-BE" smtClean="0"/>
-              <a:t>13/06/2023</a:t>
+              <a:t>14/06/2023</a:t>
             </a:fld>
             <a:endParaRPr lang="en-BE"/>
           </a:p>
@@ -4585,6 +4609,182 @@
           <a:chExt cx="0" cy="0"/>
         </a:xfrm>
       </p:grpSpPr>
+      <p:sp>
+        <p:nvSpPr>
+          <p:cNvPr id="2" name="Title 1">
+            <a:extLst>
+              <a:ext uri="{FF2B5EF4-FFF2-40B4-BE49-F238E27FC236}">
+                <a16:creationId xmlns:a16="http://schemas.microsoft.com/office/drawing/2014/main" id="{19631A52-04C3-3825-3DAF-62B606D2A36D}"/>
+              </a:ext>
+            </a:extLst>
+          </p:cNvPr>
+          <p:cNvSpPr>
+            <a:spLocks noGrp="1"/>
+          </p:cNvSpPr>
+          <p:nvPr>
+            <p:ph type="title"/>
+          </p:nvPr>
+        </p:nvSpPr>
+        <p:spPr/>
+        <p:txBody>
+          <a:bodyPr/>
+          <a:lstStyle/>
+          <a:p>
+            <a:r>
+              <a:rPr lang="en-US" dirty="0"/>
+              <a:t>What we’ll be doing</a:t>
+            </a:r>
+            <a:endParaRPr lang="en-BE" dirty="0"/>
+          </a:p>
+        </p:txBody>
+      </p:sp>
+      <p:sp>
+        <p:nvSpPr>
+          <p:cNvPr id="3" name="Content Placeholder 2">
+            <a:extLst>
+              <a:ext uri="{FF2B5EF4-FFF2-40B4-BE49-F238E27FC236}">
+                <a16:creationId xmlns:a16="http://schemas.microsoft.com/office/drawing/2014/main" id="{A84A457F-69FF-5C5D-6CCB-8A2245676E80}"/>
+              </a:ext>
+            </a:extLst>
+          </p:cNvPr>
+          <p:cNvSpPr>
+            <a:spLocks noGrp="1"/>
+          </p:cNvSpPr>
+          <p:nvPr>
+            <p:ph idx="1"/>
+          </p:nvPr>
+        </p:nvSpPr>
+        <p:spPr/>
+        <p:txBody>
+          <a:bodyPr>
+            <a:normAutofit fontScale="92500" lnSpcReduction="10000"/>
+          </a:bodyPr>
+          <a:lstStyle/>
+          <a:p>
+            <a:r>
+              <a:rPr lang="en-US" dirty="0"/>
+              <a:t>Modules on AWS</a:t>
+            </a:r>
+          </a:p>
+          <a:p>
+            <a:pPr lvl="1"/>
+            <a:r>
+              <a:rPr lang="en-US" dirty="0"/>
+              <a:t>Contain course material and exercises</a:t>
+            </a:r>
+          </a:p>
+          <a:p>
+            <a:pPr lvl="1"/>
+            <a:r>
+              <a:rPr lang="en-US" dirty="0"/>
+              <a:t>But the exercises are easy (just run the code, sometimes type some python)</a:t>
+            </a:r>
+          </a:p>
+          <a:p>
+            <a:r>
+              <a:rPr lang="en-US" dirty="0"/>
+              <a:t>Discussion topics</a:t>
+            </a:r>
+          </a:p>
+          <a:p>
+            <a:pPr lvl="1"/>
+            <a:r>
+              <a:rPr lang="en-US" dirty="0"/>
+              <a:t>Basis for oral part of examination</a:t>
+            </a:r>
+          </a:p>
+          <a:p>
+            <a:pPr lvl="1"/>
+            <a:r>
+              <a:rPr lang="en-US" dirty="0"/>
+              <a:t>Tries to get you to reflect on the course material (AWS and PPT)</a:t>
+            </a:r>
+          </a:p>
+          <a:p>
+            <a:pPr lvl="1"/>
+            <a:r>
+              <a:rPr lang="en-US" dirty="0"/>
+              <a:t>To be discussed in your project-team</a:t>
+            </a:r>
+          </a:p>
+          <a:p>
+            <a:r>
+              <a:rPr lang="en-US" dirty="0"/>
+              <a:t>Exercises</a:t>
+            </a:r>
+          </a:p>
+          <a:p>
+            <a:pPr lvl="1"/>
+            <a:r>
+              <a:rPr lang="en-US" dirty="0"/>
+              <a:t>To be done on </a:t>
+            </a:r>
+            <a:r>
+              <a:rPr lang="en-US" dirty="0" err="1"/>
+              <a:t>Sagemaker</a:t>
+            </a:r>
+            <a:r>
+              <a:rPr lang="en-US"/>
+              <a:t> or </a:t>
+            </a:r>
+            <a:r>
+              <a:rPr lang="en-US" dirty="0"/>
+              <a:t>locally</a:t>
+            </a:r>
+          </a:p>
+          <a:p>
+            <a:pPr lvl="1"/>
+            <a:r>
+              <a:rPr lang="en-US" dirty="0"/>
+              <a:t>Individual, but may be discussed in your project team</a:t>
+            </a:r>
+          </a:p>
+          <a:p>
+            <a:pPr lvl="1"/>
+            <a:r>
+              <a:rPr lang="en-US" dirty="0"/>
+              <a:t>Not real “exercises,” more guidelines</a:t>
+            </a:r>
+          </a:p>
+          <a:p>
+            <a:pPr lvl="1"/>
+            <a:r>
+              <a:rPr lang="en-US" dirty="0"/>
+              <a:t>Can generally be done in under 10 minutes, but shouldn’t</a:t>
+            </a:r>
+          </a:p>
+        </p:txBody>
+      </p:sp>
+    </p:spTree>
+    <p:extLst>
+      <p:ext uri="{BB962C8B-B14F-4D97-AF65-F5344CB8AC3E}">
+        <p14:creationId xmlns:p14="http://schemas.microsoft.com/office/powerpoint/2010/main" val="970023847"/>
+      </p:ext>
+    </p:extLst>
+  </p:cSld>
+  <p:clrMapOvr>
+    <a:masterClrMapping/>
+  </p:clrMapOvr>
+</p:sld>
+</file>
+
+<file path=ppt/slides/slide11.xml><?xml version="1.0" encoding="utf-8"?>
+<p:sld xmlns:a="http://schemas.openxmlformats.org/drawingml/2006/main" xmlns:r="http://schemas.openxmlformats.org/officeDocument/2006/relationships" xmlns:p="http://schemas.openxmlformats.org/presentationml/2006/main">
+  <p:cSld>
+    <p:spTree>
+      <p:nvGrpSpPr>
+        <p:cNvPr id="1" name=""/>
+        <p:cNvGrpSpPr/>
+        <p:nvPr/>
+      </p:nvGrpSpPr>
+      <p:grpSpPr>
+        <a:xfrm>
+          <a:off x="0" y="0"/>
+          <a:ext cx="0" cy="0"/>
+          <a:chOff x="0" y="0"/>
+          <a:chExt cx="0" cy="0"/>
+        </a:xfrm>
+      </p:grpSpPr>
       <p:pic>
         <p:nvPicPr>
           <p:cNvPr id="5" name="Content Placeholder 4" descr="A book cover with a yellow background&#10;&#10;Description automatically generated with low confidence">
@@ -4699,7 +4899,7 @@
 </p:sld>
 </file>
 
-<file path=ppt/slides/slide11.xml><?xml version="1.0" encoding="utf-8"?>
+<file path=ppt/slides/slide12.xml><?xml version="1.0" encoding="utf-8"?>
 <p:sld xmlns:a="http://schemas.openxmlformats.org/drawingml/2006/main" xmlns:r="http://schemas.openxmlformats.org/officeDocument/2006/relationships" xmlns:p="http://schemas.openxmlformats.org/presentationml/2006/main">
   <p:cSld>
     <p:spTree>
@@ -4851,7 +5051,7 @@
 </p:sld>
 </file>
 
-<file path=ppt/slides/slide12.xml><?xml version="1.0" encoding="utf-8"?>
+<file path=ppt/slides/slide13.xml><?xml version="1.0" encoding="utf-8"?>
 <p:sld xmlns:a="http://schemas.openxmlformats.org/drawingml/2006/main" xmlns:r="http://schemas.openxmlformats.org/officeDocument/2006/relationships" xmlns:p="http://schemas.openxmlformats.org/presentationml/2006/main">
   <p:cSld>
     <p:spTree>
@@ -5070,165 +5270,6 @@
 </p:sld>
 </file>
 
-<file path=ppt/slides/slide13.xml><?xml version="1.0" encoding="utf-8"?>
-<p:sld xmlns:a="http://schemas.openxmlformats.org/drawingml/2006/main" xmlns:r="http://schemas.openxmlformats.org/officeDocument/2006/relationships" xmlns:p="http://schemas.openxmlformats.org/presentationml/2006/main">
-  <p:cSld>
-    <p:spTree>
-      <p:nvGrpSpPr>
-        <p:cNvPr id="1" name=""/>
-        <p:cNvGrpSpPr/>
-        <p:nvPr/>
-      </p:nvGrpSpPr>
-      <p:grpSpPr>
-        <a:xfrm>
-          <a:off x="0" y="0"/>
-          <a:ext cx="0" cy="0"/>
-          <a:chOff x="0" y="0"/>
-          <a:chExt cx="0" cy="0"/>
-        </a:xfrm>
-      </p:grpSpPr>
-      <p:sp>
-        <p:nvSpPr>
-          <p:cNvPr id="2" name="Title 1">
-            <a:extLst>
-              <a:ext uri="{FF2B5EF4-FFF2-40B4-BE49-F238E27FC236}">
-                <a16:creationId xmlns:a16="http://schemas.microsoft.com/office/drawing/2014/main" id="{85802736-0D84-5542-1CAB-89C8655A401D}"/>
-              </a:ext>
-            </a:extLst>
-          </p:cNvPr>
-          <p:cNvSpPr>
-            <a:spLocks noGrp="1"/>
-          </p:cNvSpPr>
-          <p:nvPr>
-            <p:ph type="title"/>
-          </p:nvPr>
-        </p:nvSpPr>
-        <p:spPr/>
-        <p:txBody>
-          <a:bodyPr/>
-          <a:lstStyle/>
-          <a:p>
-            <a:r>
-              <a:rPr lang="en-US" dirty="0"/>
-              <a:t>Using AI</a:t>
-            </a:r>
-            <a:endParaRPr lang="en-BE" dirty="0"/>
-          </a:p>
-        </p:txBody>
-      </p:sp>
-      <p:sp>
-        <p:nvSpPr>
-          <p:cNvPr id="3" name="Content Placeholder 2">
-            <a:extLst>
-              <a:ext uri="{FF2B5EF4-FFF2-40B4-BE49-F238E27FC236}">
-                <a16:creationId xmlns:a16="http://schemas.microsoft.com/office/drawing/2014/main" id="{AE56134A-61BF-91D7-F893-E3619B6CB952}"/>
-              </a:ext>
-            </a:extLst>
-          </p:cNvPr>
-          <p:cNvSpPr>
-            <a:spLocks noGrp="1"/>
-          </p:cNvSpPr>
-          <p:nvPr>
-            <p:ph idx="1"/>
-          </p:nvPr>
-        </p:nvSpPr>
-        <p:spPr/>
-        <p:txBody>
-          <a:bodyPr>
-            <a:normAutofit lnSpcReduction="10000"/>
-          </a:bodyPr>
-          <a:lstStyle/>
-          <a:p>
-            <a:r>
-              <a:rPr lang="en-US" dirty="0"/>
-              <a:t>You can use all the copilot and </a:t>
-            </a:r>
-            <a:r>
-              <a:rPr lang="en-US" dirty="0" err="1"/>
-              <a:t>Stackoverflow</a:t>
-            </a:r>
-            <a:r>
-              <a:rPr lang="en-US" dirty="0"/>
-              <a:t> and </a:t>
-            </a:r>
-            <a:r>
-              <a:rPr lang="en-US" dirty="0" err="1"/>
-              <a:t>ChatGPT</a:t>
-            </a:r>
-            <a:r>
-              <a:rPr lang="en-US" dirty="0"/>
-              <a:t> you like</a:t>
-            </a:r>
-          </a:p>
-          <a:p>
-            <a:pPr lvl="1"/>
-            <a:r>
-              <a:rPr lang="en-US" dirty="0"/>
-              <a:t>Also to generate text in your report, but remember you are not graded by number of words</a:t>
-            </a:r>
-          </a:p>
-          <a:p>
-            <a:pPr lvl="1"/>
-            <a:r>
-              <a:rPr lang="en-US" dirty="0"/>
-              <a:t>A good 10-page report will always be better than a 50-page report with a lot of nonsense in it</a:t>
-            </a:r>
-          </a:p>
-          <a:p>
-            <a:pPr lvl="1"/>
-            <a:r>
-              <a:rPr lang="en-US" dirty="0"/>
-              <a:t>Do remember to list the AI’s you used as sources when submitting</a:t>
-            </a:r>
-          </a:p>
-          <a:p>
-            <a:r>
-              <a:rPr lang="en-US" dirty="0"/>
-              <a:t>These PowerPoints will never focus on “how to program this,” as we assume you can figure that one out yourself</a:t>
-            </a:r>
-          </a:p>
-          <a:p>
-            <a:pPr lvl="1"/>
-            <a:r>
-              <a:rPr lang="en-US" dirty="0"/>
-              <a:t>Unlike Python in 1 ITF</a:t>
-            </a:r>
-          </a:p>
-          <a:p>
-            <a:r>
-              <a:rPr lang="en-US" b="1" i="1" dirty="0"/>
-              <a:t>But make sure you understand all the code you submit</a:t>
-            </a:r>
-          </a:p>
-          <a:p>
-            <a:pPr lvl="1"/>
-            <a:r>
-              <a:rPr lang="en-US"/>
-              <a:t>You must </a:t>
-            </a:r>
-            <a:r>
-              <a:rPr lang="en-US" dirty="0"/>
-              <a:t>be able to explain any of the code you used</a:t>
-            </a:r>
-          </a:p>
-          <a:p>
-            <a:endParaRPr lang="en-US" dirty="0"/>
-          </a:p>
-        </p:txBody>
-      </p:sp>
-    </p:spTree>
-    <p:extLst>
-      <p:ext uri="{BB962C8B-B14F-4D97-AF65-F5344CB8AC3E}">
-        <p14:creationId xmlns:p14="http://schemas.microsoft.com/office/powerpoint/2010/main" val="1995461371"/>
-      </p:ext>
-    </p:extLst>
-  </p:cSld>
-  <p:clrMapOvr>
-    <a:masterClrMapping/>
-  </p:clrMapOvr>
-</p:sld>
-</file>
-
 <file path=ppt/slides/slide14.xml><?xml version="1.0" encoding="utf-8"?>
 <p:sld xmlns:a="http://schemas.openxmlformats.org/drawingml/2006/main" xmlns:r="http://schemas.openxmlformats.org/officeDocument/2006/relationships" xmlns:p="http://schemas.openxmlformats.org/presentationml/2006/main">
   <p:cSld>
@@ -5251,6 +5292,165 @@
           <p:cNvPr id="2" name="Title 1">
             <a:extLst>
               <a:ext uri="{FF2B5EF4-FFF2-40B4-BE49-F238E27FC236}">
+                <a16:creationId xmlns:a16="http://schemas.microsoft.com/office/drawing/2014/main" id="{85802736-0D84-5542-1CAB-89C8655A401D}"/>
+              </a:ext>
+            </a:extLst>
+          </p:cNvPr>
+          <p:cNvSpPr>
+            <a:spLocks noGrp="1"/>
+          </p:cNvSpPr>
+          <p:nvPr>
+            <p:ph type="title"/>
+          </p:nvPr>
+        </p:nvSpPr>
+        <p:spPr/>
+        <p:txBody>
+          <a:bodyPr/>
+          <a:lstStyle/>
+          <a:p>
+            <a:r>
+              <a:rPr lang="en-US" dirty="0"/>
+              <a:t>Using AI</a:t>
+            </a:r>
+            <a:endParaRPr lang="en-BE" dirty="0"/>
+          </a:p>
+        </p:txBody>
+      </p:sp>
+      <p:sp>
+        <p:nvSpPr>
+          <p:cNvPr id="3" name="Content Placeholder 2">
+            <a:extLst>
+              <a:ext uri="{FF2B5EF4-FFF2-40B4-BE49-F238E27FC236}">
+                <a16:creationId xmlns:a16="http://schemas.microsoft.com/office/drawing/2014/main" id="{AE56134A-61BF-91D7-F893-E3619B6CB952}"/>
+              </a:ext>
+            </a:extLst>
+          </p:cNvPr>
+          <p:cNvSpPr>
+            <a:spLocks noGrp="1"/>
+          </p:cNvSpPr>
+          <p:nvPr>
+            <p:ph idx="1"/>
+          </p:nvPr>
+        </p:nvSpPr>
+        <p:spPr/>
+        <p:txBody>
+          <a:bodyPr>
+            <a:normAutofit lnSpcReduction="10000"/>
+          </a:bodyPr>
+          <a:lstStyle/>
+          <a:p>
+            <a:r>
+              <a:rPr lang="en-US" dirty="0"/>
+              <a:t>You can use all the copilot and </a:t>
+            </a:r>
+            <a:r>
+              <a:rPr lang="en-US" dirty="0" err="1"/>
+              <a:t>Stackoverflow</a:t>
+            </a:r>
+            <a:r>
+              <a:rPr lang="en-US" dirty="0"/>
+              <a:t> and </a:t>
+            </a:r>
+            <a:r>
+              <a:rPr lang="en-US" dirty="0" err="1"/>
+              <a:t>ChatGPT</a:t>
+            </a:r>
+            <a:r>
+              <a:rPr lang="en-US" dirty="0"/>
+              <a:t> you like</a:t>
+            </a:r>
+          </a:p>
+          <a:p>
+            <a:pPr lvl="1"/>
+            <a:r>
+              <a:rPr lang="en-US" dirty="0"/>
+              <a:t>Also to generate text in your report, but remember you are not graded by number of words</a:t>
+            </a:r>
+          </a:p>
+          <a:p>
+            <a:pPr lvl="1"/>
+            <a:r>
+              <a:rPr lang="en-US" dirty="0"/>
+              <a:t>A good 10-page report will always be better than a 50-page report with a lot of nonsense in it</a:t>
+            </a:r>
+          </a:p>
+          <a:p>
+            <a:pPr lvl="1"/>
+            <a:r>
+              <a:rPr lang="en-US" dirty="0"/>
+              <a:t>Do remember to list the AI’s you used as sources when submitting</a:t>
+            </a:r>
+          </a:p>
+          <a:p>
+            <a:r>
+              <a:rPr lang="en-US" dirty="0"/>
+              <a:t>These PowerPoints will never focus on “how to program this,” as we assume you can figure that one out yourself</a:t>
+            </a:r>
+          </a:p>
+          <a:p>
+            <a:pPr lvl="1"/>
+            <a:r>
+              <a:rPr lang="en-US" dirty="0"/>
+              <a:t>Unlike Python in 1 ITF</a:t>
+            </a:r>
+          </a:p>
+          <a:p>
+            <a:r>
+              <a:rPr lang="en-US" b="1" i="1" dirty="0"/>
+              <a:t>But make sure you understand all the code you submit</a:t>
+            </a:r>
+          </a:p>
+          <a:p>
+            <a:pPr lvl="1"/>
+            <a:r>
+              <a:rPr lang="en-US"/>
+              <a:t>You must </a:t>
+            </a:r>
+            <a:r>
+              <a:rPr lang="en-US" dirty="0"/>
+              <a:t>be able to explain any of the code you used</a:t>
+            </a:r>
+          </a:p>
+          <a:p>
+            <a:endParaRPr lang="en-US" dirty="0"/>
+          </a:p>
+        </p:txBody>
+      </p:sp>
+    </p:spTree>
+    <p:extLst>
+      <p:ext uri="{BB962C8B-B14F-4D97-AF65-F5344CB8AC3E}">
+        <p14:creationId xmlns:p14="http://schemas.microsoft.com/office/powerpoint/2010/main" val="1995461371"/>
+      </p:ext>
+    </p:extLst>
+  </p:cSld>
+  <p:clrMapOvr>
+    <a:masterClrMapping/>
+  </p:clrMapOvr>
+</p:sld>
+</file>
+
+<file path=ppt/slides/slide15.xml><?xml version="1.0" encoding="utf-8"?>
+<p:sld xmlns:a="http://schemas.openxmlformats.org/drawingml/2006/main" xmlns:r="http://schemas.openxmlformats.org/officeDocument/2006/relationships" xmlns:p="http://schemas.openxmlformats.org/presentationml/2006/main">
+  <p:cSld>
+    <p:spTree>
+      <p:nvGrpSpPr>
+        <p:cNvPr id="1" name=""/>
+        <p:cNvGrpSpPr/>
+        <p:nvPr/>
+      </p:nvGrpSpPr>
+      <p:grpSpPr>
+        <a:xfrm>
+          <a:off x="0" y="0"/>
+          <a:ext cx="0" cy="0"/>
+          <a:chOff x="0" y="0"/>
+          <a:chExt cx="0" cy="0"/>
+        </a:xfrm>
+      </p:grpSpPr>
+      <p:sp>
+        <p:nvSpPr>
+          <p:cNvPr id="2" name="Title 1">
+            <a:extLst>
+              <a:ext uri="{FF2B5EF4-FFF2-40B4-BE49-F238E27FC236}">
                 <a16:creationId xmlns:a16="http://schemas.microsoft.com/office/drawing/2014/main" id="{20C97E91-47E6-7080-F3F6-E0811D5D0147}"/>
               </a:ext>
             </a:extLst>
@@ -5317,7 +5517,7 @@
 </p:sld>
 </file>
 
-<file path=ppt/slides/slide15.xml><?xml version="1.0" encoding="utf-8"?>
+<file path=ppt/slides/slide16.xml><?xml version="1.0" encoding="utf-8"?>
 <p:sld xmlns:a="http://schemas.openxmlformats.org/drawingml/2006/main" xmlns:r="http://schemas.openxmlformats.org/officeDocument/2006/relationships" xmlns:p="http://schemas.openxmlformats.org/presentationml/2006/main">
   <p:cSld>
     <p:spTree>
@@ -6307,7 +6507,7 @@
           <p:cNvPr id="2" name="Title 1">
             <a:extLst>
               <a:ext uri="{FF2B5EF4-FFF2-40B4-BE49-F238E27FC236}">
-                <a16:creationId xmlns:a16="http://schemas.microsoft.com/office/drawing/2014/main" id="{0D5FF344-8EEB-E7D7-AEE4-50C367E5CB10}"/>
+                <a16:creationId xmlns:a16="http://schemas.microsoft.com/office/drawing/2014/main" id="{B3F8C421-B1B2-79B9-7EC0-56998B8E33EC}"/>
               </a:ext>
             </a:extLst>
           </p:cNvPr>
@@ -6325,7 +6525,7 @@
           <a:p>
             <a:r>
               <a:rPr lang="en-US" dirty="0"/>
-              <a:t>About the slides</a:t>
+              <a:t>The classes</a:t>
             </a:r>
             <a:endParaRPr lang="en-BE" dirty="0"/>
           </a:p>
@@ -6336,7 +6536,7 @@
           <p:cNvPr id="3" name="Content Placeholder 2">
             <a:extLst>
               <a:ext uri="{FF2B5EF4-FFF2-40B4-BE49-F238E27FC236}">
-                <a16:creationId xmlns:a16="http://schemas.microsoft.com/office/drawing/2014/main" id="{D0C9C61B-F6A2-066F-CE25-B1521DCB64B9}"/>
+                <a16:creationId xmlns:a16="http://schemas.microsoft.com/office/drawing/2014/main" id="{53E2B102-B73A-7E7C-6926-6C140E9A4C9A}"/>
               </a:ext>
             </a:extLst>
           </p:cNvPr>
@@ -6349,79 +6549,88 @@
         </p:nvSpPr>
         <p:spPr/>
         <p:txBody>
-          <a:bodyPr>
-            <a:normAutofit lnSpcReduction="10000"/>
-          </a:bodyPr>
-          <a:lstStyle/>
-          <a:p>
-            <a:r>
-              <a:rPr lang="en-US" dirty="0"/>
-              <a:t>The central guideline in this course</a:t>
+          <a:bodyPr/>
+          <a:lstStyle/>
+          <a:p>
+            <a:r>
+              <a:rPr lang="en-US" dirty="0"/>
+              <a:t>We have 2 blocks on campus</a:t>
             </a:r>
           </a:p>
           <a:p>
             <a:pPr lvl="1"/>
             <a:r>
               <a:rPr lang="en-US" dirty="0"/>
-              <a:t>Refers to AWS-course or other external</a:t>
+              <a:t>If you have to cover AWS in advance, it’ll be on canvas as an announcement</a:t>
             </a:r>
           </a:p>
           <a:p>
             <a:pPr lvl="1"/>
             <a:r>
               <a:rPr lang="en-US" dirty="0"/>
-              <a:t>Not numbered per class (week 1 is </a:t>
-            </a:r>
-            <a:r>
-              <a:rPr lang="en-US"/>
-              <a:t>not necessarily ppt 1)</a:t>
-            </a:r>
-          </a:p>
-          <a:p>
-            <a:r>
-              <a:rPr lang="en-US" dirty="0"/>
-              <a:t>Sparsely formatted on purpose</a:t>
+              <a:t>Explanation of the slides</a:t>
             </a:r>
           </a:p>
           <a:p>
             <a:pPr lvl="1"/>
             <a:r>
               <a:rPr lang="en-US" dirty="0"/>
-              <a:t>You may apply a theme for yourself</a:t>
-            </a:r>
-          </a:p>
-          <a:p>
-            <a:r>
-              <a:rPr lang="en-US" dirty="0"/>
-              <a:t>Not a good example for your final presentation</a:t>
+              <a:t>Time for exercises and discussion topics</a:t>
+            </a:r>
+          </a:p>
+          <a:p>
+            <a:r>
+              <a:rPr lang="en-US" dirty="0"/>
+              <a:t>We have 1 block online</a:t>
             </a:r>
           </a:p>
           <a:p>
             <a:pPr lvl="1"/>
             <a:r>
               <a:rPr lang="en-US" dirty="0"/>
-              <a:t>Your final presentation: sell yourself (or your project) to a jury</a:t>
+              <a:t>Create a teams call with your group and the teacher</a:t>
             </a:r>
           </a:p>
           <a:p>
             <a:pPr lvl="1"/>
             <a:r>
               <a:rPr lang="en-US" dirty="0"/>
-              <a:t>These presentation: course material, not selling anything</a:t>
-            </a:r>
-          </a:p>
-          <a:p>
-            <a:r>
-              <a:rPr lang="en-US" dirty="0"/>
-              <a:t>Don’t forget the notes, sometimes they contain more information or useful links</a:t>
-            </a:r>
+              <a:t>Spend the entire block in there</a:t>
+            </a:r>
+          </a:p>
+          <a:p>
+            <a:pPr lvl="1"/>
+            <a:r>
+              <a:rPr lang="en-US" dirty="0"/>
+              <a:t>At sometime, I’ll join for questions and follow-up</a:t>
+            </a:r>
+          </a:p>
+          <a:p>
+            <a:pPr lvl="1"/>
+            <a:r>
+              <a:rPr lang="en-US" dirty="0"/>
+              <a:t>We’ll create the group on canvas, and follow-up will be done using </a:t>
+            </a:r>
+            <a:r>
+              <a:rPr lang="en-US" dirty="0" err="1"/>
+              <a:t>feedpulse</a:t>
+            </a:r>
+            <a:endParaRPr lang="en-US" dirty="0"/>
+          </a:p>
+          <a:p>
+            <a:pPr lvl="1"/>
+            <a:r>
+              <a:rPr lang="en-US" dirty="0"/>
+              <a:t>No real grading, but the smileys indicate how well you are doing</a:t>
+            </a:r>
+            <a:endParaRPr lang="en-BE" dirty="0"/>
           </a:p>
         </p:txBody>
       </p:sp>
     </p:spTree>
     <p:extLst>
       <p:ext uri="{BB962C8B-B14F-4D97-AF65-F5344CB8AC3E}">
-        <p14:creationId xmlns:p14="http://schemas.microsoft.com/office/powerpoint/2010/main" val="4079949891"/>
+        <p14:creationId xmlns:p14="http://schemas.microsoft.com/office/powerpoint/2010/main" val="153793110"/>
       </p:ext>
     </p:extLst>
   </p:cSld>
@@ -6453,7 +6662,7 @@
           <p:cNvPr id="2" name="Title 1">
             <a:extLst>
               <a:ext uri="{FF2B5EF4-FFF2-40B4-BE49-F238E27FC236}">
-                <a16:creationId xmlns:a16="http://schemas.microsoft.com/office/drawing/2014/main" id="{063886BD-AEB8-93A0-D7D0-B6866BB548FB}"/>
+                <a16:creationId xmlns:a16="http://schemas.microsoft.com/office/drawing/2014/main" id="{0D5FF344-8EEB-E7D7-AEE4-50C367E5CB10}"/>
               </a:ext>
             </a:extLst>
           </p:cNvPr>
@@ -6482,7 +6691,7 @@
           <p:cNvPr id="3" name="Content Placeholder 2">
             <a:extLst>
               <a:ext uri="{FF2B5EF4-FFF2-40B4-BE49-F238E27FC236}">
-                <a16:creationId xmlns:a16="http://schemas.microsoft.com/office/drawing/2014/main" id="{1FA026EB-F47D-F29C-37A2-487A7886AB3D}"/>
+                <a16:creationId xmlns:a16="http://schemas.microsoft.com/office/drawing/2014/main" id="{D0C9C61B-F6A2-066F-CE25-B1521DCB64B9}"/>
               </a:ext>
             </a:extLst>
           </p:cNvPr>
@@ -6495,92 +6704,79 @@
         </p:nvSpPr>
         <p:spPr/>
         <p:txBody>
-          <a:bodyPr/>
-          <a:lstStyle/>
-          <a:p>
-            <a:r>
-              <a:rPr lang="en-US" dirty="0" err="1"/>
-              <a:t>Powerpoint</a:t>
-            </a:r>
-            <a:r>
-              <a:rPr lang="en-US" dirty="0"/>
-              <a:t> is supercalifragilisticexpialidocious, but it has it’s limits</a:t>
-            </a:r>
-          </a:p>
-          <a:p>
-            <a:r>
-              <a:rPr lang="en-US" dirty="0"/>
-              <a:t>Sometimes the slide will be a link</a:t>
+          <a:bodyPr>
+            <a:normAutofit lnSpcReduction="10000"/>
+          </a:bodyPr>
+          <a:lstStyle/>
+          <a:p>
+            <a:r>
+              <a:rPr lang="en-US" dirty="0"/>
+              <a:t>The central guideline in this course</a:t>
             </a:r>
           </a:p>
           <a:p>
             <a:pPr lvl="1"/>
             <a:r>
               <a:rPr lang="en-US" dirty="0"/>
-              <a:t>To a </a:t>
-            </a:r>
-            <a:r>
-              <a:rPr lang="en-US" dirty="0" err="1"/>
-              <a:t>jupyter</a:t>
-            </a:r>
-            <a:r>
-              <a:rPr lang="en-US" dirty="0"/>
-              <a:t> notebook with explanations</a:t>
+              <a:t>Refers to AWS-course or other external</a:t>
             </a:r>
           </a:p>
           <a:p>
             <a:pPr lvl="1"/>
             <a:r>
               <a:rPr lang="en-US" dirty="0"/>
-              <a:t>To a </a:t>
-            </a:r>
-            <a:r>
-              <a:rPr lang="en-US" dirty="0" err="1"/>
-              <a:t>jupyter</a:t>
-            </a:r>
-            <a:r>
-              <a:rPr lang="en-US" dirty="0"/>
-              <a:t> notebook with an exercise</a:t>
+              <a:t>Not numbered per class (week 1 is </a:t>
+            </a:r>
+            <a:r>
+              <a:rPr lang="en-US"/>
+              <a:t>not necessarily ppt 1)</a:t>
+            </a:r>
+          </a:p>
+          <a:p>
+            <a:r>
+              <a:rPr lang="en-US" dirty="0"/>
+              <a:t>Sparsely formatted on purpose</a:t>
             </a:r>
           </a:p>
           <a:p>
             <a:pPr lvl="1"/>
             <a:r>
               <a:rPr lang="en-US" dirty="0"/>
-              <a:t>To a markdown-file with explanations</a:t>
+              <a:t>You may apply a theme for yourself</a:t>
+            </a:r>
+          </a:p>
+          <a:p>
+            <a:r>
+              <a:rPr lang="en-US" dirty="0"/>
+              <a:t>Not a good example for your final presentation</a:t>
             </a:r>
           </a:p>
           <a:p>
             <a:pPr lvl="1"/>
             <a:r>
               <a:rPr lang="en-US" dirty="0"/>
-              <a:t>To the module on AWS</a:t>
+              <a:t>Your final presentation: sell yourself (or your project) to a jury</a:t>
             </a:r>
           </a:p>
           <a:p>
             <a:pPr lvl="1"/>
             <a:r>
               <a:rPr lang="en-US" dirty="0"/>
-              <a:t>…</a:t>
-            </a:r>
-          </a:p>
-          <a:p>
-            <a:r>
-              <a:rPr lang="en-US" dirty="0"/>
-              <a:t>The slides are the guide between all the other course material, but it’s not the only </a:t>
-            </a:r>
-            <a:r>
-              <a:rPr lang="en-US"/>
-              <a:t>course material</a:t>
-            </a:r>
-            <a:endParaRPr lang="en-BE" dirty="0"/>
+              <a:t>These presentation: course material, not selling anything</a:t>
+            </a:r>
+          </a:p>
+          <a:p>
+            <a:r>
+              <a:rPr lang="en-US" dirty="0"/>
+              <a:t>Don’t forget the notes, sometimes they contain more information or useful links</a:t>
+            </a:r>
           </a:p>
         </p:txBody>
       </p:sp>
     </p:spTree>
     <p:extLst>
       <p:ext uri="{BB962C8B-B14F-4D97-AF65-F5344CB8AC3E}">
-        <p14:creationId xmlns:p14="http://schemas.microsoft.com/office/powerpoint/2010/main" val="332508798"/>
+        <p14:creationId xmlns:p14="http://schemas.microsoft.com/office/powerpoint/2010/main" val="4079949891"/>
       </p:ext>
     </p:extLst>
   </p:cSld>
@@ -6612,7 +6808,7 @@
           <p:cNvPr id="2" name="Title 1">
             <a:extLst>
               <a:ext uri="{FF2B5EF4-FFF2-40B4-BE49-F238E27FC236}">
-                <a16:creationId xmlns:a16="http://schemas.microsoft.com/office/drawing/2014/main" id="{19631A52-04C3-3825-3DAF-62B606D2A36D}"/>
+                <a16:creationId xmlns:a16="http://schemas.microsoft.com/office/drawing/2014/main" id="{063886BD-AEB8-93A0-D7D0-B6866BB548FB}"/>
               </a:ext>
             </a:extLst>
           </p:cNvPr>
@@ -6630,7 +6826,7 @@
           <a:p>
             <a:r>
               <a:rPr lang="en-US" dirty="0"/>
-              <a:t>What we’ll be doing</a:t>
+              <a:t>About the slides</a:t>
             </a:r>
             <a:endParaRPr lang="en-BE" dirty="0"/>
           </a:p>
@@ -6641,7 +6837,7 @@
           <p:cNvPr id="3" name="Content Placeholder 2">
             <a:extLst>
               <a:ext uri="{FF2B5EF4-FFF2-40B4-BE49-F238E27FC236}">
-                <a16:creationId xmlns:a16="http://schemas.microsoft.com/office/drawing/2014/main" id="{A84A457F-69FF-5C5D-6CCB-8A2245676E80}"/>
+                <a16:creationId xmlns:a16="http://schemas.microsoft.com/office/drawing/2014/main" id="{1FA026EB-F47D-F29C-37A2-487A7886AB3D}"/>
               </a:ext>
             </a:extLst>
           </p:cNvPr>
@@ -6654,109 +6850,92 @@
         </p:nvSpPr>
         <p:spPr/>
         <p:txBody>
-          <a:bodyPr>
-            <a:normAutofit fontScale="92500" lnSpcReduction="10000"/>
-          </a:bodyPr>
-          <a:lstStyle/>
-          <a:p>
-            <a:r>
-              <a:rPr lang="en-US" dirty="0"/>
-              <a:t>Modules on AWS</a:t>
+          <a:bodyPr/>
+          <a:lstStyle/>
+          <a:p>
+            <a:r>
+              <a:rPr lang="en-US" dirty="0" err="1"/>
+              <a:t>Powerpoint</a:t>
+            </a:r>
+            <a:r>
+              <a:rPr lang="en-US" dirty="0"/>
+              <a:t> is supercalifragilisticexpialidocious, but it has it’s limits</a:t>
+            </a:r>
+          </a:p>
+          <a:p>
+            <a:r>
+              <a:rPr lang="en-US" dirty="0"/>
+              <a:t>Sometimes the slide will be a link</a:t>
             </a:r>
           </a:p>
           <a:p>
             <a:pPr lvl="1"/>
             <a:r>
               <a:rPr lang="en-US" dirty="0"/>
-              <a:t>Contain course material and exercises</a:t>
+              <a:t>To a </a:t>
+            </a:r>
+            <a:r>
+              <a:rPr lang="en-US" dirty="0" err="1"/>
+              <a:t>jupyter</a:t>
+            </a:r>
+            <a:r>
+              <a:rPr lang="en-US" dirty="0"/>
+              <a:t> notebook with explanations</a:t>
             </a:r>
           </a:p>
           <a:p>
             <a:pPr lvl="1"/>
             <a:r>
               <a:rPr lang="en-US" dirty="0"/>
-              <a:t>But the exercises are easy (just run the code, sometimes type some python)</a:t>
-            </a:r>
-          </a:p>
-          <a:p>
-            <a:r>
-              <a:rPr lang="en-US" dirty="0"/>
-              <a:t>Discussion topics</a:t>
+              <a:t>To a </a:t>
+            </a:r>
+            <a:r>
+              <a:rPr lang="en-US" dirty="0" err="1"/>
+              <a:t>jupyter</a:t>
+            </a:r>
+            <a:r>
+              <a:rPr lang="en-US" dirty="0"/>
+              <a:t> notebook with an exercise</a:t>
             </a:r>
           </a:p>
           <a:p>
             <a:pPr lvl="1"/>
             <a:r>
               <a:rPr lang="en-US" dirty="0"/>
-              <a:t>Basis for oral part of examination</a:t>
+              <a:t>To a markdown-file with explanations</a:t>
             </a:r>
           </a:p>
           <a:p>
             <a:pPr lvl="1"/>
             <a:r>
               <a:rPr lang="en-US" dirty="0"/>
-              <a:t>Tries to get you to reflect on the course material (AWS and PPT)</a:t>
+              <a:t>To the module on AWS</a:t>
             </a:r>
           </a:p>
           <a:p>
             <a:pPr lvl="1"/>
             <a:r>
               <a:rPr lang="en-US" dirty="0"/>
-              <a:t>To be discussed in your project-team</a:t>
-            </a:r>
-          </a:p>
-          <a:p>
-            <a:r>
-              <a:rPr lang="en-US" dirty="0"/>
-              <a:t>Exercises</a:t>
-            </a:r>
-          </a:p>
-          <a:p>
-            <a:pPr lvl="1"/>
-            <a:r>
-              <a:rPr lang="en-US" dirty="0"/>
-              <a:t>To be done on </a:t>
-            </a:r>
-            <a:r>
-              <a:rPr lang="en-US" dirty="0" err="1"/>
-              <a:t>Sagemaker</a:t>
+              <a:t>…</a:t>
+            </a:r>
+          </a:p>
+          <a:p>
+            <a:r>
+              <a:rPr lang="en-US" dirty="0"/>
+              <a:t>The slides are the guide between all the other course material, but it’s not the only </a:t>
             </a:r>
             <a:r>
               <a:rPr lang="en-US"/>
-              <a:t> or </a:t>
-            </a:r>
-            <a:r>
-              <a:rPr lang="en-US" dirty="0"/>
-              <a:t>locally</a:t>
-            </a:r>
-          </a:p>
-          <a:p>
-            <a:pPr lvl="1"/>
-            <a:r>
-              <a:rPr lang="en-US" dirty="0"/>
-              <a:t>Individual, but may be discussed in your project team</a:t>
-            </a:r>
-          </a:p>
-          <a:p>
-            <a:pPr lvl="1"/>
-            <a:r>
-              <a:rPr lang="en-US" dirty="0"/>
-              <a:t>Not real “exercises,” more guidelines</a:t>
-            </a:r>
-          </a:p>
-          <a:p>
-            <a:pPr lvl="1"/>
-            <a:r>
-              <a:rPr lang="en-US" dirty="0"/>
-              <a:t>Can generally be done in under 10 minutes, but shouldn’t</a:t>
-            </a:r>
+              <a:t>course material</a:t>
+            </a:r>
+            <a:endParaRPr lang="en-BE" dirty="0"/>
           </a:p>
         </p:txBody>
       </p:sp>
     </p:spTree>
     <p:extLst>
       <p:ext uri="{BB962C8B-B14F-4D97-AF65-F5344CB8AC3E}">
-        <p14:creationId xmlns:p14="http://schemas.microsoft.com/office/powerpoint/2010/main" val="970023847"/>
+        <p14:creationId xmlns:p14="http://schemas.microsoft.com/office/powerpoint/2010/main" val="332508798"/>
       </p:ext>
     </p:extLst>
   </p:cSld>

--- a/PPT/0 - Intro.pptx
+++ b/PPT/0 - Intro.pptx
@@ -128,14 +128,6 @@
     </p:ext>
   </p:extLst>
 </p:presentation>
-</file>
-
-<file path=ppt/revisionInfo.xml><?xml version="1.0" encoding="utf-8"?>
-<p1510:revInfo xmlns:a="http://schemas.openxmlformats.org/drawingml/2006/main" xmlns:r="http://schemas.openxmlformats.org/officeDocument/2006/relationships" xmlns:p1510="http://schemas.microsoft.com/office/powerpoint/2015/10/main">
-  <p1510:revLst>
-    <p1510:client id="{F8B58BD1-8A92-4B5C-93A7-BA3B925EE1A2}" v="3" dt="2023-06-12T08:28:52.226"/>
-  </p1510:revLst>
-</p1510:revInfo>
 </file>
 
 <file path=ppt/changesInfos/changesInfo1.xml><?xml version="1.0" encoding="utf-8"?>
@@ -298,6 +290,81 @@
             <pc:docMk/>
             <pc:sldMk cId="153793110" sldId="271"/>
             <ac:spMk id="3" creationId="{53E2B102-B73A-7E7C-6926-6C140E9A4C9A}"/>
+          </ac:spMkLst>
+        </pc:spChg>
+      </pc:sldChg>
+    </pc:docChg>
+  </pc:docChgLst>
+  <pc:docChgLst>
+    <pc:chgData name="Jochen Mariën" userId="a4f8d9ed-3895-4365-b2d5-9432cb8a20d4" providerId="ADAL" clId="{B5CDDD68-EC24-4B03-9D7D-DD1E858EF38E}"/>
+    <pc:docChg chg="undo custSel modSld">
+      <pc:chgData name="Jochen Mariën" userId="a4f8d9ed-3895-4365-b2d5-9432cb8a20d4" providerId="ADAL" clId="{B5CDDD68-EC24-4B03-9D7D-DD1E858EF38E}" dt="2023-09-06T07:36:16.389" v="264" actId="20577"/>
+      <pc:docMkLst>
+        <pc:docMk/>
+      </pc:docMkLst>
+      <pc:sldChg chg="modSp mod">
+        <pc:chgData name="Jochen Mariën" userId="a4f8d9ed-3895-4365-b2d5-9432cb8a20d4" providerId="ADAL" clId="{B5CDDD68-EC24-4B03-9D7D-DD1E858EF38E}" dt="2023-09-06T07:22:47.789" v="47" actId="20577"/>
+        <pc:sldMkLst>
+          <pc:docMk/>
+          <pc:sldMk cId="1681464463" sldId="259"/>
+        </pc:sldMkLst>
+        <pc:spChg chg="mod">
+          <ac:chgData name="Jochen Mariën" userId="a4f8d9ed-3895-4365-b2d5-9432cb8a20d4" providerId="ADAL" clId="{B5CDDD68-EC24-4B03-9D7D-DD1E858EF38E}" dt="2023-09-06T07:22:47.789" v="47" actId="20577"/>
+          <ac:spMkLst>
+            <pc:docMk/>
+            <pc:sldMk cId="1681464463" sldId="259"/>
+            <ac:spMk id="3" creationId="{6C9B6BF9-B8B8-57A5-9DB1-4748C0FDC6F9}"/>
+          </ac:spMkLst>
+        </pc:spChg>
+      </pc:sldChg>
+      <pc:sldChg chg="modSp mod">
+        <pc:chgData name="Jochen Mariën" userId="a4f8d9ed-3895-4365-b2d5-9432cb8a20d4" providerId="ADAL" clId="{B5CDDD68-EC24-4B03-9D7D-DD1E858EF38E}" dt="2023-09-06T07:31:21.053" v="180" actId="20577"/>
+        <pc:sldMkLst>
+          <pc:docMk/>
+          <pc:sldMk cId="191612756" sldId="260"/>
+        </pc:sldMkLst>
+        <pc:spChg chg="mod">
+          <ac:chgData name="Jochen Mariën" userId="a4f8d9ed-3895-4365-b2d5-9432cb8a20d4" providerId="ADAL" clId="{B5CDDD68-EC24-4B03-9D7D-DD1E858EF38E}" dt="2023-09-06T07:31:21.053" v="180" actId="20577"/>
+          <ac:spMkLst>
+            <pc:docMk/>
+            <pc:sldMk cId="191612756" sldId="260"/>
+            <ac:spMk id="3" creationId="{03F756A6-83ED-3C39-E5C1-D0CD6CA1BF6A}"/>
+          </ac:spMkLst>
+        </pc:spChg>
+      </pc:sldChg>
+      <pc:sldChg chg="modNotesTx">
+        <pc:chgData name="Jochen Mariën" userId="a4f8d9ed-3895-4365-b2d5-9432cb8a20d4" providerId="ADAL" clId="{B5CDDD68-EC24-4B03-9D7D-DD1E858EF38E}" dt="2023-09-06T07:33:41.835" v="216" actId="20577"/>
+        <pc:sldMkLst>
+          <pc:docMk/>
+          <pc:sldMk cId="4079949891" sldId="261"/>
+        </pc:sldMkLst>
+      </pc:sldChg>
+      <pc:sldChg chg="modNotesTx">
+        <pc:chgData name="Jochen Mariën" userId="a4f8d9ed-3895-4365-b2d5-9432cb8a20d4" providerId="ADAL" clId="{B5CDDD68-EC24-4B03-9D7D-DD1E858EF38E}" dt="2023-09-06T07:36:16.389" v="264" actId="20577"/>
+        <pc:sldMkLst>
+          <pc:docMk/>
+          <pc:sldMk cId="31661550" sldId="265"/>
+        </pc:sldMkLst>
+      </pc:sldChg>
+      <pc:sldChg chg="modNotesTx">
+        <pc:chgData name="Jochen Mariën" userId="a4f8d9ed-3895-4365-b2d5-9432cb8a20d4" providerId="ADAL" clId="{B5CDDD68-EC24-4B03-9D7D-DD1E858EF38E}" dt="2023-09-06T07:34:54.452" v="217" actId="20577"/>
+        <pc:sldMkLst>
+          <pc:docMk/>
+          <pc:sldMk cId="1544678492" sldId="268"/>
+        </pc:sldMkLst>
+      </pc:sldChg>
+      <pc:sldChg chg="modSp mod">
+        <pc:chgData name="Jochen Mariën" userId="a4f8d9ed-3895-4365-b2d5-9432cb8a20d4" providerId="ADAL" clId="{B5CDDD68-EC24-4B03-9D7D-DD1E858EF38E}" dt="2023-09-06T07:32:29.527" v="185" actId="20577"/>
+        <pc:sldMkLst>
+          <pc:docMk/>
+          <pc:sldMk cId="2763235997" sldId="270"/>
+        </pc:sldMkLst>
+        <pc:spChg chg="mod">
+          <ac:chgData name="Jochen Mariën" userId="a4f8d9ed-3895-4365-b2d5-9432cb8a20d4" providerId="ADAL" clId="{B5CDDD68-EC24-4B03-9D7D-DD1E858EF38E}" dt="2023-09-06T07:32:29.527" v="185" actId="20577"/>
+          <ac:spMkLst>
+            <pc:docMk/>
+            <pc:sldMk cId="2763235997" sldId="270"/>
+            <ac:spMk id="3" creationId="{F0767FAB-59D4-FFC6-614F-02507EFD7998}"/>
           </ac:spMkLst>
         </pc:spChg>
       </pc:sldChg>
@@ -566,7 +633,7 @@
           <a:p>
             <a:fld id="{8F880CE3-57C3-4E29-A2D5-BE0FDC8C5C38}" type="datetimeFigureOut">
               <a:rPr lang="en-BE" smtClean="0"/>
-              <a:t>14/06/2023</a:t>
+              <a:t>06/09/2023</a:t>
             </a:fld>
             <a:endParaRPr lang="en-BE"/>
           </a:p>
@@ -968,23 +1035,9 @@
           <a:p>
             <a:r>
               <a:rPr lang="en-US" dirty="0"/>
-              <a:t>Book was very thrilling, so much so I couldn’t sleep anymore. This was a problem.</a:t>
-            </a:r>
-          </a:p>
-          <a:p>
-            <a:r>
-              <a:rPr lang="en-US" dirty="0"/>
-              <a:t>I could look up the ending of the book Wikipedia. That would have helped mee sleep, but I’d have to find a new book to read (preferably a boring one).</a:t>
-            </a:r>
-          </a:p>
-          <a:p>
-            <a:endParaRPr lang="en-US" dirty="0"/>
-          </a:p>
-          <a:p>
-            <a:r>
-              <a:rPr lang="en-US" dirty="0"/>
-              <a:t>The moral of the story: I didn’t look up the ending (yet) and decided that all solutions to the exercises will be available from the very beginning of the course. You can simply read them and say ‘Yeah, I could have thought of that’ or not and actually learn something. Your call.</a:t>
-            </a:r>
+              <a:t>I mean these notes down here.</a:t>
+            </a:r>
+            <a:endParaRPr lang="en-BE" dirty="0"/>
           </a:p>
         </p:txBody>
       </p:sp>
@@ -1005,7 +1058,7 @@
           <a:p>
             <a:fld id="{9F487898-0C4F-431B-9DF3-B96052A5BB4A}" type="slidenum">
               <a:rPr lang="en-BE" smtClean="0"/>
-              <a:t>11</a:t>
+              <a:t>8</a:t>
             </a:fld>
             <a:endParaRPr lang="en-BE"/>
           </a:p>
@@ -1014,7 +1067,7 @@
     </p:spTree>
     <p:extLst>
       <p:ext uri="{BB962C8B-B14F-4D97-AF65-F5344CB8AC3E}">
-        <p14:creationId xmlns:p14="http://schemas.microsoft.com/office/powerpoint/2010/main" val="3978303151"/>
+        <p14:creationId xmlns:p14="http://schemas.microsoft.com/office/powerpoint/2010/main" val="1633432467"/>
       </p:ext>
     </p:extLst>
   </p:cSld>
@@ -1070,7 +1123,109 @@
           <a:p>
             <a:r>
               <a:rPr lang="en-US" dirty="0"/>
-              <a:t>But why upload assignments when you are given the solutions? Because this way you can send in, and discuss, an alternate solution. It also makes you go through the motions of copying all the solutions, which should make you </a:t>
+              <a:t>Book was very thrilling, so much so I couldn’t sleep anymore. This was a problem.</a:t>
+            </a:r>
+          </a:p>
+          <a:p>
+            <a:r>
+              <a:rPr lang="en-US" dirty="0"/>
+              <a:t>I could look up the ending of the book Wikipedia. That would have helped me sleep, but I’d have to find a new book to read (preferably a boring one).</a:t>
+            </a:r>
+          </a:p>
+          <a:p>
+            <a:endParaRPr lang="en-US" dirty="0"/>
+          </a:p>
+          <a:p>
+            <a:r>
+              <a:rPr lang="en-US" dirty="0"/>
+              <a:t>The moral of the story: I didn’t look up the ending (yet) and decided that all solutions to the exercises will be available from the very beginning of the course. You can simply read them and say ‘Yeah, I could have thought of that’ or not and actually learn something. Your call.</a:t>
+            </a:r>
+          </a:p>
+        </p:txBody>
+      </p:sp>
+      <p:sp>
+        <p:nvSpPr>
+          <p:cNvPr id="4" name="Slide Number Placeholder 3"/>
+          <p:cNvSpPr>
+            <a:spLocks noGrp="1"/>
+          </p:cNvSpPr>
+          <p:nvPr>
+            <p:ph type="sldNum" sz="quarter" idx="5"/>
+          </p:nvPr>
+        </p:nvSpPr>
+        <p:spPr/>
+        <p:txBody>
+          <a:bodyPr/>
+          <a:lstStyle/>
+          <a:p>
+            <a:fld id="{9F487898-0C4F-431B-9DF3-B96052A5BB4A}" type="slidenum">
+              <a:rPr lang="en-BE" smtClean="0"/>
+              <a:t>11</a:t>
+            </a:fld>
+            <a:endParaRPr lang="en-BE"/>
+          </a:p>
+        </p:txBody>
+      </p:sp>
+    </p:spTree>
+    <p:extLst>
+      <p:ext uri="{BB962C8B-B14F-4D97-AF65-F5344CB8AC3E}">
+        <p14:creationId xmlns:p14="http://schemas.microsoft.com/office/powerpoint/2010/main" val="3978303151"/>
+      </p:ext>
+    </p:extLst>
+  </p:cSld>
+  <p:clrMapOvr>
+    <a:masterClrMapping/>
+  </p:clrMapOvr>
+</p:notes>
+</file>
+
+<file path=ppt/notesSlides/notesSlide4.xml><?xml version="1.0" encoding="utf-8"?>
+<p:notes xmlns:a="http://schemas.openxmlformats.org/drawingml/2006/main" xmlns:r="http://schemas.openxmlformats.org/officeDocument/2006/relationships" xmlns:p="http://schemas.openxmlformats.org/presentationml/2006/main">
+  <p:cSld>
+    <p:spTree>
+      <p:nvGrpSpPr>
+        <p:cNvPr id="1" name=""/>
+        <p:cNvGrpSpPr/>
+        <p:nvPr/>
+      </p:nvGrpSpPr>
+      <p:grpSpPr>
+        <a:xfrm>
+          <a:off x="0" y="0"/>
+          <a:ext cx="0" cy="0"/>
+          <a:chOff x="0" y="0"/>
+          <a:chExt cx="0" cy="0"/>
+        </a:xfrm>
+      </p:grpSpPr>
+      <p:sp>
+        <p:nvSpPr>
+          <p:cNvPr id="2" name="Slide Image Placeholder 1"/>
+          <p:cNvSpPr>
+            <a:spLocks noGrp="1" noRot="1" noChangeAspect="1"/>
+          </p:cNvSpPr>
+          <p:nvPr>
+            <p:ph type="sldImg"/>
+          </p:nvPr>
+        </p:nvSpPr>
+        <p:spPr/>
+      </p:sp>
+      <p:sp>
+        <p:nvSpPr>
+          <p:cNvPr id="3" name="Notes Placeholder 2"/>
+          <p:cNvSpPr>
+            <a:spLocks noGrp="1"/>
+          </p:cNvSpPr>
+          <p:nvPr>
+            <p:ph type="body" idx="1"/>
+          </p:nvPr>
+        </p:nvSpPr>
+        <p:spPr/>
+        <p:txBody>
+          <a:bodyPr/>
+          <a:lstStyle/>
+          <a:p>
+            <a:r>
+              <a:rPr lang="en-US" dirty="0"/>
+              <a:t>But why upload assignments when you are given the solutions? Because this way you can send in, and discuss, an alternate solution. If you choose to copy the solutions it also makes you go through the motions of copying all of them, which should make you </a:t>
             </a:r>
             <a:r>
               <a:rPr lang="en-US" dirty="0" err="1"/>
@@ -1085,7 +1240,7 @@
               <a:t>yourselvels</a:t>
             </a:r>
             <a:r>
-              <a:rPr lang="en-US"/>
+              <a:rPr lang="en-US" dirty="0"/>
               <a:t>.</a:t>
             </a:r>
             <a:endParaRPr lang="en-BE" dirty="0"/>
@@ -1128,7 +1283,7 @@
 </p:notes>
 </file>
 
-<file path=ppt/notesSlides/notesSlide4.xml><?xml version="1.0" encoding="utf-8"?>
+<file path=ppt/notesSlides/notesSlide5.xml><?xml version="1.0" encoding="utf-8"?>
 <p:notes xmlns:a="http://schemas.openxmlformats.org/drawingml/2006/main" xmlns:r="http://schemas.openxmlformats.org/officeDocument/2006/relationships" xmlns:p="http://schemas.openxmlformats.org/presentationml/2006/main">
   <p:cSld>
     <p:spTree>
@@ -1365,7 +1520,7 @@
           <a:p>
             <a:fld id="{DCCC402D-880E-47E2-A255-30C14FE14143}" type="datetimeFigureOut">
               <a:rPr lang="en-BE" smtClean="0"/>
-              <a:t>14/06/2023</a:t>
+              <a:t>06/09/2023</a:t>
             </a:fld>
             <a:endParaRPr lang="en-BE"/>
           </a:p>
@@ -1565,7 +1720,7 @@
           <a:p>
             <a:fld id="{DCCC402D-880E-47E2-A255-30C14FE14143}" type="datetimeFigureOut">
               <a:rPr lang="en-BE" smtClean="0"/>
-              <a:t>14/06/2023</a:t>
+              <a:t>06/09/2023</a:t>
             </a:fld>
             <a:endParaRPr lang="en-BE"/>
           </a:p>
@@ -1775,7 +1930,7 @@
           <a:p>
             <a:fld id="{DCCC402D-880E-47E2-A255-30C14FE14143}" type="datetimeFigureOut">
               <a:rPr lang="en-BE" smtClean="0"/>
-              <a:t>14/06/2023</a:t>
+              <a:t>06/09/2023</a:t>
             </a:fld>
             <a:endParaRPr lang="en-BE"/>
           </a:p>
@@ -1975,7 +2130,7 @@
           <a:p>
             <a:fld id="{DCCC402D-880E-47E2-A255-30C14FE14143}" type="datetimeFigureOut">
               <a:rPr lang="en-BE" smtClean="0"/>
-              <a:t>14/06/2023</a:t>
+              <a:t>06/09/2023</a:t>
             </a:fld>
             <a:endParaRPr lang="en-BE"/>
           </a:p>
@@ -2251,7 +2406,7 @@
           <a:p>
             <a:fld id="{DCCC402D-880E-47E2-A255-30C14FE14143}" type="datetimeFigureOut">
               <a:rPr lang="en-BE" smtClean="0"/>
-              <a:t>14/06/2023</a:t>
+              <a:t>06/09/2023</a:t>
             </a:fld>
             <a:endParaRPr lang="en-BE"/>
           </a:p>
@@ -2519,7 +2674,7 @@
           <a:p>
             <a:fld id="{DCCC402D-880E-47E2-A255-30C14FE14143}" type="datetimeFigureOut">
               <a:rPr lang="en-BE" smtClean="0"/>
-              <a:t>14/06/2023</a:t>
+              <a:t>06/09/2023</a:t>
             </a:fld>
             <a:endParaRPr lang="en-BE"/>
           </a:p>
@@ -2934,7 +3089,7 @@
           <a:p>
             <a:fld id="{DCCC402D-880E-47E2-A255-30C14FE14143}" type="datetimeFigureOut">
               <a:rPr lang="en-BE" smtClean="0"/>
-              <a:t>14/06/2023</a:t>
+              <a:t>06/09/2023</a:t>
             </a:fld>
             <a:endParaRPr lang="en-BE"/>
           </a:p>
@@ -3076,7 +3231,7 @@
           <a:p>
             <a:fld id="{DCCC402D-880E-47E2-A255-30C14FE14143}" type="datetimeFigureOut">
               <a:rPr lang="en-BE" smtClean="0"/>
-              <a:t>14/06/2023</a:t>
+              <a:t>06/09/2023</a:t>
             </a:fld>
             <a:endParaRPr lang="en-BE"/>
           </a:p>
@@ -3189,7 +3344,7 @@
           <a:p>
             <a:fld id="{DCCC402D-880E-47E2-A255-30C14FE14143}" type="datetimeFigureOut">
               <a:rPr lang="en-BE" smtClean="0"/>
-              <a:t>14/06/2023</a:t>
+              <a:t>06/09/2023</a:t>
             </a:fld>
             <a:endParaRPr lang="en-BE"/>
           </a:p>
@@ -3502,7 +3657,7 @@
           <a:p>
             <a:fld id="{DCCC402D-880E-47E2-A255-30C14FE14143}" type="datetimeFigureOut">
               <a:rPr lang="en-BE" smtClean="0"/>
-              <a:t>14/06/2023</a:t>
+              <a:t>06/09/2023</a:t>
             </a:fld>
             <a:endParaRPr lang="en-BE"/>
           </a:p>
@@ -3791,7 +3946,7 @@
           <a:p>
             <a:fld id="{DCCC402D-880E-47E2-A255-30C14FE14143}" type="datetimeFigureOut">
               <a:rPr lang="en-BE" smtClean="0"/>
-              <a:t>14/06/2023</a:t>
+              <a:t>06/09/2023</a:t>
             </a:fld>
             <a:endParaRPr lang="en-BE"/>
           </a:p>
@@ -4034,7 +4189,7 @@
           <a:p>
             <a:fld id="{DCCC402D-880E-47E2-A255-30C14FE14143}" type="datetimeFigureOut">
               <a:rPr lang="en-BE" smtClean="0"/>
-              <a:t>14/06/2023</a:t>
+              <a:t>06/09/2023</a:t>
             </a:fld>
             <a:endParaRPr lang="en-BE"/>
           </a:p>
@@ -6092,7 +6247,9 @@
           </a:xfrm>
         </p:spPr>
         <p:txBody>
-          <a:bodyPr/>
+          <a:bodyPr>
+            <a:normAutofit lnSpcReduction="10000"/>
+          </a:bodyPr>
           <a:lstStyle/>
           <a:p>
             <a:r>
@@ -6115,7 +6272,21 @@
           <a:p>
             <a:r>
               <a:rPr lang="en-US" dirty="0"/>
-              <a:t>When studying start from these slides, do the AWS-course as mentioned</a:t>
+              <a:t>When studying:</a:t>
+            </a:r>
+          </a:p>
+          <a:p>
+            <a:pPr lvl="1"/>
+            <a:r>
+              <a:rPr lang="en-US" dirty="0"/>
+              <a:t>Start from the Thomas More-slides</a:t>
+            </a:r>
+          </a:p>
+          <a:p>
+            <a:pPr lvl="1"/>
+            <a:r>
+              <a:rPr lang="en-US" dirty="0"/>
+              <a:t>Do the AWS-course as mentioned</a:t>
             </a:r>
           </a:p>
           <a:p>
@@ -6124,7 +6295,7 @@
           <a:p>
             <a:r>
               <a:rPr lang="en-US" dirty="0"/>
-              <a:t>The goal of this is to get to know </a:t>
+              <a:t>The goal of using AWS is to get to know </a:t>
             </a:r>
             <a:r>
               <a:rPr lang="en-US" dirty="0" err="1"/>
@@ -6270,7 +6441,7 @@
             <a:pPr lvl="1"/>
             <a:r>
               <a:rPr lang="en-US" dirty="0"/>
-              <a:t>1 block from home: discussion topics, exercises and group project</a:t>
+              <a:t>1 block from home: discussion topics, exercises</a:t>
             </a:r>
           </a:p>
           <a:p>
@@ -6455,13 +6626,8 @@
           <a:p>
             <a:r>
               <a:rPr lang="en-US" dirty="0"/>
-              <a:t>Grading: 70% project, 30% </a:t>
-            </a:r>
-            <a:r>
-              <a:rPr lang="en-US"/>
-              <a:t>theoretical concepts</a:t>
-            </a:r>
-            <a:endParaRPr lang="en-US" dirty="0"/>
+              <a:t>Grading: 65% project, 35% theoretical concepts</a:t>
+            </a:r>
           </a:p>
           <a:p>
             <a:endParaRPr lang="en-US" dirty="0"/>
